--- a/project documentation/RomanEmperors Practical Project.pptx
+++ b/project documentation/RomanEmperors Practical Project.pptx
@@ -22,23 +22,28 @@
     <p:sldId id="267" r:id="rId17"/>
     <p:sldId id="268" r:id="rId18"/>
     <p:sldId id="269" r:id="rId19"/>
+    <p:sldId id="270" r:id="rId20"/>
+    <p:sldId id="271" r:id="rId21"/>
+    <p:sldId id="272" r:id="rId22"/>
+    <p:sldId id="273" r:id="rId23"/>
+    <p:sldId id="274" r:id="rId24"/>
   </p:sldIdLst>
   <p:sldSz cy="5143500" cx="9144000"/>
   <p:notesSz cx="6858000" cy="9144000"/>
   <p:embeddedFontLst>
     <p:embeddedFont>
       <p:font typeface="Raleway"/>
-      <p:regular r:id="rId20"/>
-      <p:bold r:id="rId21"/>
-      <p:italic r:id="rId22"/>
-      <p:boldItalic r:id="rId23"/>
+      <p:regular r:id="rId25"/>
+      <p:bold r:id="rId26"/>
+      <p:italic r:id="rId27"/>
+      <p:boldItalic r:id="rId28"/>
     </p:embeddedFont>
     <p:embeddedFont>
       <p:font typeface="Lato"/>
-      <p:regular r:id="rId24"/>
-      <p:bold r:id="rId25"/>
-      <p:italic r:id="rId26"/>
-      <p:boldItalic r:id="rId27"/>
+      <p:regular r:id="rId29"/>
+      <p:bold r:id="rId30"/>
+      <p:italic r:id="rId31"/>
+      <p:boldItalic r:id="rId32"/>
     </p:embeddedFont>
   </p:embeddedFontLst>
   <p:defaultTextStyle>
@@ -819,7 +824,7 @@
   <p:cSld>
     <p:spTree>
       <p:nvGrpSpPr>
-        <p:cNvPr id="134" name="Shape 134"/>
+        <p:cNvPr id="135" name="Shape 135"/>
         <p:cNvGrpSpPr/>
         <p:nvPr/>
       </p:nvGrpSpPr>
@@ -833,7 +838,7 @@
       </p:grpSpPr>
       <p:sp>
         <p:nvSpPr>
-          <p:cNvPr id="135" name="Google Shape;135;g85810f4d0b_0_0:notes"/>
+          <p:cNvPr id="136" name="Google Shape;136;g85810f4d0b_0_40:notes"/>
           <p:cNvSpPr/>
           <p:nvPr>
             <p:ph idx="2" type="sldImg"/>
@@ -868,7 +873,7 @@
       </p:sp>
       <p:sp>
         <p:nvSpPr>
-          <p:cNvPr id="136" name="Google Shape;136;g85810f4d0b_0_0:notes"/>
+          <p:cNvPr id="137" name="Google Shape;137;g85810f4d0b_0_40:notes"/>
           <p:cNvSpPr txBox="1"/>
           <p:nvPr>
             <p:ph idx="1" type="body"/>
@@ -918,7 +923,7 @@
   <p:cSld>
     <p:spTree>
       <p:nvGrpSpPr>
-        <p:cNvPr id="141" name="Shape 141"/>
+        <p:cNvPr id="140" name="Shape 140"/>
         <p:cNvGrpSpPr/>
         <p:nvPr/>
       </p:nvGrpSpPr>
@@ -932,7 +937,7 @@
       </p:grpSpPr>
       <p:sp>
         <p:nvSpPr>
-          <p:cNvPr id="142" name="Google Shape;142;g85810f4d0b_0_54:notes"/>
+          <p:cNvPr id="141" name="Google Shape;141;g85810f4d0b_0_60:notes"/>
           <p:cNvSpPr/>
           <p:nvPr>
             <p:ph idx="2" type="sldImg"/>
@@ -967,7 +972,7 @@
       </p:sp>
       <p:sp>
         <p:nvSpPr>
-          <p:cNvPr id="143" name="Google Shape;143;g85810f4d0b_0_54:notes"/>
+          <p:cNvPr id="142" name="Google Shape;142;g85810f4d0b_0_60:notes"/>
           <p:cNvSpPr txBox="1"/>
           <p:nvPr>
             <p:ph idx="1" type="body"/>
@@ -1017,7 +1022,7 @@
   <p:cSld>
     <p:spTree>
       <p:nvGrpSpPr>
-        <p:cNvPr id="147" name="Shape 147"/>
+        <p:cNvPr id="146" name="Shape 146"/>
         <p:cNvGrpSpPr/>
         <p:nvPr/>
       </p:nvGrpSpPr>
@@ -1031,7 +1036,7 @@
       </p:grpSpPr>
       <p:sp>
         <p:nvSpPr>
-          <p:cNvPr id="148" name="Google Shape;148;g85810f4d0b_0_11:notes"/>
+          <p:cNvPr id="147" name="Google Shape;147;g85810f4d0b_0_66:notes"/>
           <p:cNvSpPr/>
           <p:nvPr>
             <p:ph idx="2" type="sldImg"/>
@@ -1066,7 +1071,7 @@
       </p:sp>
       <p:sp>
         <p:nvSpPr>
-          <p:cNvPr id="149" name="Google Shape;149;g85810f4d0b_0_11:notes"/>
+          <p:cNvPr id="148" name="Google Shape;148;g85810f4d0b_0_66:notes"/>
           <p:cNvSpPr txBox="1"/>
           <p:nvPr>
             <p:ph idx="1" type="body"/>
@@ -1116,7 +1121,7 @@
   <p:cSld>
     <p:spTree>
       <p:nvGrpSpPr>
-        <p:cNvPr id="153" name="Shape 153"/>
+        <p:cNvPr id="151" name="Shape 151"/>
         <p:cNvGrpSpPr/>
         <p:nvPr/>
       </p:nvGrpSpPr>
@@ -1130,7 +1135,7 @@
       </p:grpSpPr>
       <p:sp>
         <p:nvSpPr>
-          <p:cNvPr id="154" name="Google Shape;154;g85810f4d0b_0_16:notes"/>
+          <p:cNvPr id="152" name="Google Shape;152;g85810f4d0b_0_72:notes"/>
           <p:cNvSpPr/>
           <p:nvPr>
             <p:ph idx="2" type="sldImg"/>
@@ -1165,7 +1170,7 @@
       </p:sp>
       <p:sp>
         <p:nvSpPr>
-          <p:cNvPr id="155" name="Google Shape;155;g85810f4d0b_0_16:notes"/>
+          <p:cNvPr id="153" name="Google Shape;153;g85810f4d0b_0_72:notes"/>
           <p:cNvSpPr txBox="1"/>
           <p:nvPr>
             <p:ph idx="1" type="body"/>
@@ -1215,7 +1220,7 @@
   <p:cSld>
     <p:spTree>
       <p:nvGrpSpPr>
-        <p:cNvPr id="159" name="Shape 159"/>
+        <p:cNvPr id="156" name="Shape 156"/>
         <p:cNvGrpSpPr/>
         <p:nvPr/>
       </p:nvGrpSpPr>
@@ -1229,7 +1234,7 @@
       </p:grpSpPr>
       <p:sp>
         <p:nvSpPr>
-          <p:cNvPr id="160" name="Google Shape;160;g85810f4d0b_0_6:notes"/>
+          <p:cNvPr id="157" name="Google Shape;157;g85810f4d0b_0_83:notes"/>
           <p:cNvSpPr/>
           <p:nvPr>
             <p:ph idx="2" type="sldImg"/>
@@ -1264,7 +1269,502 @@
       </p:sp>
       <p:sp>
         <p:nvSpPr>
-          <p:cNvPr id="161" name="Google Shape;161;g85810f4d0b_0_6:notes"/>
+          <p:cNvPr id="158" name="Google Shape;158;g85810f4d0b_0_83:notes"/>
+          <p:cNvSpPr txBox="1"/>
+          <p:nvPr>
+            <p:ph idx="1" type="body"/>
+          </p:nvPr>
+        </p:nvSpPr>
+        <p:spPr>
+          <a:xfrm>
+            <a:off x="685800" y="4343400"/>
+            <a:ext cx="5486400" cy="4114800"/>
+          </a:xfrm>
+          <a:prstGeom prst="rect">
+            <a:avLst/>
+          </a:prstGeom>
+        </p:spPr>
+        <p:txBody>
+          <a:bodyPr anchorCtr="0" anchor="t" bIns="91425" lIns="91425" spcFirstLastPara="1" rIns="91425" wrap="square" tIns="91425">
+            <a:noAutofit/>
+          </a:bodyPr>
+          <a:lstStyle/>
+          <a:p>
+            <a:pPr indent="0" lvl="0" marL="0" rtl="0" algn="l">
+              <a:spcBef>
+                <a:spcPts val="0"/>
+              </a:spcBef>
+              <a:spcAft>
+                <a:spcPts val="0"/>
+              </a:spcAft>
+              <a:buNone/>
+            </a:pPr>
+            <a:r>
+              <a:t/>
+            </a:r>
+            <a:endParaRPr/>
+          </a:p>
+        </p:txBody>
+      </p:sp>
+    </p:spTree>
+  </p:cSld>
+  <p:clrMapOvr>
+    <a:masterClrMapping/>
+  </p:clrMapOvr>
+</p:notes>
+</file>
+
+<file path=ppt/notesSlides/notesSlide15.xml><?xml version="1.0" encoding="utf-8"?>
+<p:notes xmlns:a="http://schemas.openxmlformats.org/drawingml/2006/main" xmlns:r="http://schemas.openxmlformats.org/officeDocument/2006/relationships" xmlns:mc="http://schemas.openxmlformats.org/markup-compatibility/2006" xmlns:mv="urn:schemas-microsoft-com:mac:vml" xmlns:p="http://schemas.openxmlformats.org/presentationml/2006/main" xmlns:c="http://schemas.openxmlformats.org/drawingml/2006/chart" xmlns:dgm="http://schemas.openxmlformats.org/drawingml/2006/diagram" xmlns:o="urn:schemas-microsoft-com:office:office" xmlns:v="urn:schemas-microsoft-com:vml" xmlns:pvml="urn:schemas-microsoft-com:office:powerpoint" xmlns:com="http://schemas.openxmlformats.org/drawingml/2006/compatibility" xmlns:p14="http://schemas.microsoft.com/office/powerpoint/2010/main" xmlns:p15="http://schemas.microsoft.com/office/powerpoint/2012/main" showMasterPhAnim="0" showMasterSp="0">
+  <p:cSld>
+    <p:spTree>
+      <p:nvGrpSpPr>
+        <p:cNvPr id="162" name="Shape 162"/>
+        <p:cNvGrpSpPr/>
+        <p:nvPr/>
+      </p:nvGrpSpPr>
+      <p:grpSpPr>
+        <a:xfrm>
+          <a:off x="0" y="0"/>
+          <a:ext cx="0" cy="0"/>
+          <a:chOff x="0" y="0"/>
+          <a:chExt cx="0" cy="0"/>
+        </a:xfrm>
+      </p:grpSpPr>
+      <p:sp>
+        <p:nvSpPr>
+          <p:cNvPr id="163" name="Google Shape;163;g85810f4d0b_0_0:notes"/>
+          <p:cNvSpPr/>
+          <p:nvPr>
+            <p:ph idx="2" type="sldImg"/>
+          </p:nvPr>
+        </p:nvSpPr>
+        <p:spPr>
+          <a:xfrm>
+            <a:off x="381300" y="685800"/>
+            <a:ext cx="6096000" cy="3429000"/>
+          </a:xfrm>
+          <a:custGeom>
+            <a:rect b="b" l="l" r="r" t="t"/>
+            <a:pathLst>
+              <a:path extrusionOk="0" h="120000" w="120000">
+                <a:moveTo>
+                  <a:pt x="0" y="0"/>
+                </a:moveTo>
+                <a:lnTo>
+                  <a:pt x="120000" y="0"/>
+                </a:lnTo>
+                <a:lnTo>
+                  <a:pt x="120000" y="120000"/>
+                </a:lnTo>
+                <a:lnTo>
+                  <a:pt x="0" y="120000"/>
+                </a:lnTo>
+                <a:close/>
+              </a:path>
+            </a:pathLst>
+          </a:custGeom>
+        </p:spPr>
+      </p:sp>
+      <p:sp>
+        <p:nvSpPr>
+          <p:cNvPr id="164" name="Google Shape;164;g85810f4d0b_0_0:notes"/>
+          <p:cNvSpPr txBox="1"/>
+          <p:nvPr>
+            <p:ph idx="1" type="body"/>
+          </p:nvPr>
+        </p:nvSpPr>
+        <p:spPr>
+          <a:xfrm>
+            <a:off x="685800" y="4343400"/>
+            <a:ext cx="5486400" cy="4114800"/>
+          </a:xfrm>
+          <a:prstGeom prst="rect">
+            <a:avLst/>
+          </a:prstGeom>
+        </p:spPr>
+        <p:txBody>
+          <a:bodyPr anchorCtr="0" anchor="t" bIns="91425" lIns="91425" spcFirstLastPara="1" rIns="91425" wrap="square" tIns="91425">
+            <a:noAutofit/>
+          </a:bodyPr>
+          <a:lstStyle/>
+          <a:p>
+            <a:pPr indent="0" lvl="0" marL="0" rtl="0" algn="l">
+              <a:spcBef>
+                <a:spcPts val="0"/>
+              </a:spcBef>
+              <a:spcAft>
+                <a:spcPts val="0"/>
+              </a:spcAft>
+              <a:buNone/>
+            </a:pPr>
+            <a:r>
+              <a:t/>
+            </a:r>
+            <a:endParaRPr/>
+          </a:p>
+        </p:txBody>
+      </p:sp>
+    </p:spTree>
+  </p:cSld>
+  <p:clrMapOvr>
+    <a:masterClrMapping/>
+  </p:clrMapOvr>
+</p:notes>
+</file>
+
+<file path=ppt/notesSlides/notesSlide16.xml><?xml version="1.0" encoding="utf-8"?>
+<p:notes xmlns:a="http://schemas.openxmlformats.org/drawingml/2006/main" xmlns:r="http://schemas.openxmlformats.org/officeDocument/2006/relationships" xmlns:mc="http://schemas.openxmlformats.org/markup-compatibility/2006" xmlns:mv="urn:schemas-microsoft-com:mac:vml" xmlns:p="http://schemas.openxmlformats.org/presentationml/2006/main" xmlns:c="http://schemas.openxmlformats.org/drawingml/2006/chart" xmlns:dgm="http://schemas.openxmlformats.org/drawingml/2006/diagram" xmlns:o="urn:schemas-microsoft-com:office:office" xmlns:v="urn:schemas-microsoft-com:vml" xmlns:pvml="urn:schemas-microsoft-com:office:powerpoint" xmlns:com="http://schemas.openxmlformats.org/drawingml/2006/compatibility" xmlns:p14="http://schemas.microsoft.com/office/powerpoint/2010/main" xmlns:p15="http://schemas.microsoft.com/office/powerpoint/2012/main" showMasterPhAnim="0" showMasterSp="0">
+  <p:cSld>
+    <p:spTree>
+      <p:nvGrpSpPr>
+        <p:cNvPr id="170" name="Shape 170"/>
+        <p:cNvGrpSpPr/>
+        <p:nvPr/>
+      </p:nvGrpSpPr>
+      <p:grpSpPr>
+        <a:xfrm>
+          <a:off x="0" y="0"/>
+          <a:ext cx="0" cy="0"/>
+          <a:chOff x="0" y="0"/>
+          <a:chExt cx="0" cy="0"/>
+        </a:xfrm>
+      </p:grpSpPr>
+      <p:sp>
+        <p:nvSpPr>
+          <p:cNvPr id="171" name="Google Shape;171;g85810f4d0b_0_54:notes"/>
+          <p:cNvSpPr/>
+          <p:nvPr>
+            <p:ph idx="2" type="sldImg"/>
+          </p:nvPr>
+        </p:nvSpPr>
+        <p:spPr>
+          <a:xfrm>
+            <a:off x="381300" y="685800"/>
+            <a:ext cx="6096000" cy="3429000"/>
+          </a:xfrm>
+          <a:custGeom>
+            <a:rect b="b" l="l" r="r" t="t"/>
+            <a:pathLst>
+              <a:path extrusionOk="0" h="120000" w="120000">
+                <a:moveTo>
+                  <a:pt x="0" y="0"/>
+                </a:moveTo>
+                <a:lnTo>
+                  <a:pt x="120000" y="0"/>
+                </a:lnTo>
+                <a:lnTo>
+                  <a:pt x="120000" y="120000"/>
+                </a:lnTo>
+                <a:lnTo>
+                  <a:pt x="0" y="120000"/>
+                </a:lnTo>
+                <a:close/>
+              </a:path>
+            </a:pathLst>
+          </a:custGeom>
+        </p:spPr>
+      </p:sp>
+      <p:sp>
+        <p:nvSpPr>
+          <p:cNvPr id="172" name="Google Shape;172;g85810f4d0b_0_54:notes"/>
+          <p:cNvSpPr txBox="1"/>
+          <p:nvPr>
+            <p:ph idx="1" type="body"/>
+          </p:nvPr>
+        </p:nvSpPr>
+        <p:spPr>
+          <a:xfrm>
+            <a:off x="685800" y="4343400"/>
+            <a:ext cx="5486400" cy="4114800"/>
+          </a:xfrm>
+          <a:prstGeom prst="rect">
+            <a:avLst/>
+          </a:prstGeom>
+        </p:spPr>
+        <p:txBody>
+          <a:bodyPr anchorCtr="0" anchor="t" bIns="91425" lIns="91425" spcFirstLastPara="1" rIns="91425" wrap="square" tIns="91425">
+            <a:noAutofit/>
+          </a:bodyPr>
+          <a:lstStyle/>
+          <a:p>
+            <a:pPr indent="0" lvl="0" marL="0" rtl="0" algn="l">
+              <a:spcBef>
+                <a:spcPts val="0"/>
+              </a:spcBef>
+              <a:spcAft>
+                <a:spcPts val="0"/>
+              </a:spcAft>
+              <a:buNone/>
+            </a:pPr>
+            <a:r>
+              <a:t/>
+            </a:r>
+            <a:endParaRPr/>
+          </a:p>
+        </p:txBody>
+      </p:sp>
+    </p:spTree>
+  </p:cSld>
+  <p:clrMapOvr>
+    <a:masterClrMapping/>
+  </p:clrMapOvr>
+</p:notes>
+</file>
+
+<file path=ppt/notesSlides/notesSlide17.xml><?xml version="1.0" encoding="utf-8"?>
+<p:notes xmlns:a="http://schemas.openxmlformats.org/drawingml/2006/main" xmlns:r="http://schemas.openxmlformats.org/officeDocument/2006/relationships" xmlns:mc="http://schemas.openxmlformats.org/markup-compatibility/2006" xmlns:mv="urn:schemas-microsoft-com:mac:vml" xmlns:p="http://schemas.openxmlformats.org/presentationml/2006/main" xmlns:c="http://schemas.openxmlformats.org/drawingml/2006/chart" xmlns:dgm="http://schemas.openxmlformats.org/drawingml/2006/diagram" xmlns:o="urn:schemas-microsoft-com:office:office" xmlns:v="urn:schemas-microsoft-com:vml" xmlns:pvml="urn:schemas-microsoft-com:office:powerpoint" xmlns:com="http://schemas.openxmlformats.org/drawingml/2006/compatibility" xmlns:p14="http://schemas.microsoft.com/office/powerpoint/2010/main" xmlns:p15="http://schemas.microsoft.com/office/powerpoint/2012/main" showMasterPhAnim="0" showMasterSp="0">
+  <p:cSld>
+    <p:spTree>
+      <p:nvGrpSpPr>
+        <p:cNvPr id="176" name="Shape 176"/>
+        <p:cNvGrpSpPr/>
+        <p:nvPr/>
+      </p:nvGrpSpPr>
+      <p:grpSpPr>
+        <a:xfrm>
+          <a:off x="0" y="0"/>
+          <a:ext cx="0" cy="0"/>
+          <a:chOff x="0" y="0"/>
+          <a:chExt cx="0" cy="0"/>
+        </a:xfrm>
+      </p:grpSpPr>
+      <p:sp>
+        <p:nvSpPr>
+          <p:cNvPr id="177" name="Google Shape;177;g85810f4d0b_0_11:notes"/>
+          <p:cNvSpPr/>
+          <p:nvPr>
+            <p:ph idx="2" type="sldImg"/>
+          </p:nvPr>
+        </p:nvSpPr>
+        <p:spPr>
+          <a:xfrm>
+            <a:off x="381300" y="685800"/>
+            <a:ext cx="6096000" cy="3429000"/>
+          </a:xfrm>
+          <a:custGeom>
+            <a:rect b="b" l="l" r="r" t="t"/>
+            <a:pathLst>
+              <a:path extrusionOk="0" h="120000" w="120000">
+                <a:moveTo>
+                  <a:pt x="0" y="0"/>
+                </a:moveTo>
+                <a:lnTo>
+                  <a:pt x="120000" y="0"/>
+                </a:lnTo>
+                <a:lnTo>
+                  <a:pt x="120000" y="120000"/>
+                </a:lnTo>
+                <a:lnTo>
+                  <a:pt x="0" y="120000"/>
+                </a:lnTo>
+                <a:close/>
+              </a:path>
+            </a:pathLst>
+          </a:custGeom>
+        </p:spPr>
+      </p:sp>
+      <p:sp>
+        <p:nvSpPr>
+          <p:cNvPr id="178" name="Google Shape;178;g85810f4d0b_0_11:notes"/>
+          <p:cNvSpPr txBox="1"/>
+          <p:nvPr>
+            <p:ph idx="1" type="body"/>
+          </p:nvPr>
+        </p:nvSpPr>
+        <p:spPr>
+          <a:xfrm>
+            <a:off x="685800" y="4343400"/>
+            <a:ext cx="5486400" cy="4114800"/>
+          </a:xfrm>
+          <a:prstGeom prst="rect">
+            <a:avLst/>
+          </a:prstGeom>
+        </p:spPr>
+        <p:txBody>
+          <a:bodyPr anchorCtr="0" anchor="t" bIns="91425" lIns="91425" spcFirstLastPara="1" rIns="91425" wrap="square" tIns="91425">
+            <a:noAutofit/>
+          </a:bodyPr>
+          <a:lstStyle/>
+          <a:p>
+            <a:pPr indent="0" lvl="0" marL="0" rtl="0" algn="l">
+              <a:spcBef>
+                <a:spcPts val="0"/>
+              </a:spcBef>
+              <a:spcAft>
+                <a:spcPts val="0"/>
+              </a:spcAft>
+              <a:buNone/>
+            </a:pPr>
+            <a:r>
+              <a:t/>
+            </a:r>
+            <a:endParaRPr/>
+          </a:p>
+        </p:txBody>
+      </p:sp>
+    </p:spTree>
+  </p:cSld>
+  <p:clrMapOvr>
+    <a:masterClrMapping/>
+  </p:clrMapOvr>
+</p:notes>
+</file>
+
+<file path=ppt/notesSlides/notesSlide18.xml><?xml version="1.0" encoding="utf-8"?>
+<p:notes xmlns:a="http://schemas.openxmlformats.org/drawingml/2006/main" xmlns:r="http://schemas.openxmlformats.org/officeDocument/2006/relationships" xmlns:mc="http://schemas.openxmlformats.org/markup-compatibility/2006" xmlns:mv="urn:schemas-microsoft-com:mac:vml" xmlns:p="http://schemas.openxmlformats.org/presentationml/2006/main" xmlns:c="http://schemas.openxmlformats.org/drawingml/2006/chart" xmlns:dgm="http://schemas.openxmlformats.org/drawingml/2006/diagram" xmlns:o="urn:schemas-microsoft-com:office:office" xmlns:v="urn:schemas-microsoft-com:vml" xmlns:pvml="urn:schemas-microsoft-com:office:powerpoint" xmlns:com="http://schemas.openxmlformats.org/drawingml/2006/compatibility" xmlns:p14="http://schemas.microsoft.com/office/powerpoint/2010/main" xmlns:p15="http://schemas.microsoft.com/office/powerpoint/2012/main" showMasterPhAnim="0" showMasterSp="0">
+  <p:cSld>
+    <p:spTree>
+      <p:nvGrpSpPr>
+        <p:cNvPr id="182" name="Shape 182"/>
+        <p:cNvGrpSpPr/>
+        <p:nvPr/>
+      </p:nvGrpSpPr>
+      <p:grpSpPr>
+        <a:xfrm>
+          <a:off x="0" y="0"/>
+          <a:ext cx="0" cy="0"/>
+          <a:chOff x="0" y="0"/>
+          <a:chExt cx="0" cy="0"/>
+        </a:xfrm>
+      </p:grpSpPr>
+      <p:sp>
+        <p:nvSpPr>
+          <p:cNvPr id="183" name="Google Shape;183;g85810f4d0b_0_16:notes"/>
+          <p:cNvSpPr/>
+          <p:nvPr>
+            <p:ph idx="2" type="sldImg"/>
+          </p:nvPr>
+        </p:nvSpPr>
+        <p:spPr>
+          <a:xfrm>
+            <a:off x="381300" y="685800"/>
+            <a:ext cx="6096000" cy="3429000"/>
+          </a:xfrm>
+          <a:custGeom>
+            <a:rect b="b" l="l" r="r" t="t"/>
+            <a:pathLst>
+              <a:path extrusionOk="0" h="120000" w="120000">
+                <a:moveTo>
+                  <a:pt x="0" y="0"/>
+                </a:moveTo>
+                <a:lnTo>
+                  <a:pt x="120000" y="0"/>
+                </a:lnTo>
+                <a:lnTo>
+                  <a:pt x="120000" y="120000"/>
+                </a:lnTo>
+                <a:lnTo>
+                  <a:pt x="0" y="120000"/>
+                </a:lnTo>
+                <a:close/>
+              </a:path>
+            </a:pathLst>
+          </a:custGeom>
+        </p:spPr>
+      </p:sp>
+      <p:sp>
+        <p:nvSpPr>
+          <p:cNvPr id="184" name="Google Shape;184;g85810f4d0b_0_16:notes"/>
+          <p:cNvSpPr txBox="1"/>
+          <p:nvPr>
+            <p:ph idx="1" type="body"/>
+          </p:nvPr>
+        </p:nvSpPr>
+        <p:spPr>
+          <a:xfrm>
+            <a:off x="685800" y="4343400"/>
+            <a:ext cx="5486400" cy="4114800"/>
+          </a:xfrm>
+          <a:prstGeom prst="rect">
+            <a:avLst/>
+          </a:prstGeom>
+        </p:spPr>
+        <p:txBody>
+          <a:bodyPr anchorCtr="0" anchor="t" bIns="91425" lIns="91425" spcFirstLastPara="1" rIns="91425" wrap="square" tIns="91425">
+            <a:noAutofit/>
+          </a:bodyPr>
+          <a:lstStyle/>
+          <a:p>
+            <a:pPr indent="0" lvl="0" marL="0" rtl="0" algn="l">
+              <a:spcBef>
+                <a:spcPts val="0"/>
+              </a:spcBef>
+              <a:spcAft>
+                <a:spcPts val="0"/>
+              </a:spcAft>
+              <a:buNone/>
+            </a:pPr>
+            <a:r>
+              <a:t/>
+            </a:r>
+            <a:endParaRPr/>
+          </a:p>
+        </p:txBody>
+      </p:sp>
+    </p:spTree>
+  </p:cSld>
+  <p:clrMapOvr>
+    <a:masterClrMapping/>
+  </p:clrMapOvr>
+</p:notes>
+</file>
+
+<file path=ppt/notesSlides/notesSlide19.xml><?xml version="1.0" encoding="utf-8"?>
+<p:notes xmlns:a="http://schemas.openxmlformats.org/drawingml/2006/main" xmlns:r="http://schemas.openxmlformats.org/officeDocument/2006/relationships" xmlns:mc="http://schemas.openxmlformats.org/markup-compatibility/2006" xmlns:mv="urn:schemas-microsoft-com:mac:vml" xmlns:p="http://schemas.openxmlformats.org/presentationml/2006/main" xmlns:c="http://schemas.openxmlformats.org/drawingml/2006/chart" xmlns:dgm="http://schemas.openxmlformats.org/drawingml/2006/diagram" xmlns:o="urn:schemas-microsoft-com:office:office" xmlns:v="urn:schemas-microsoft-com:vml" xmlns:pvml="urn:schemas-microsoft-com:office:powerpoint" xmlns:com="http://schemas.openxmlformats.org/drawingml/2006/compatibility" xmlns:p14="http://schemas.microsoft.com/office/powerpoint/2010/main" xmlns:p15="http://schemas.microsoft.com/office/powerpoint/2012/main" showMasterPhAnim="0" showMasterSp="0">
+  <p:cSld>
+    <p:spTree>
+      <p:nvGrpSpPr>
+        <p:cNvPr id="188" name="Shape 188"/>
+        <p:cNvGrpSpPr/>
+        <p:nvPr/>
+      </p:nvGrpSpPr>
+      <p:grpSpPr>
+        <a:xfrm>
+          <a:off x="0" y="0"/>
+          <a:ext cx="0" cy="0"/>
+          <a:chOff x="0" y="0"/>
+          <a:chExt cx="0" cy="0"/>
+        </a:xfrm>
+      </p:grpSpPr>
+      <p:sp>
+        <p:nvSpPr>
+          <p:cNvPr id="189" name="Google Shape;189;g85810f4d0b_0_6:notes"/>
+          <p:cNvSpPr/>
+          <p:nvPr>
+            <p:ph idx="2" type="sldImg"/>
+          </p:nvPr>
+        </p:nvSpPr>
+        <p:spPr>
+          <a:xfrm>
+            <a:off x="381300" y="685800"/>
+            <a:ext cx="6096000" cy="3429000"/>
+          </a:xfrm>
+          <a:custGeom>
+            <a:rect b="b" l="l" r="r" t="t"/>
+            <a:pathLst>
+              <a:path extrusionOk="0" h="120000" w="120000">
+                <a:moveTo>
+                  <a:pt x="0" y="0"/>
+                </a:moveTo>
+                <a:lnTo>
+                  <a:pt x="120000" y="0"/>
+                </a:lnTo>
+                <a:lnTo>
+                  <a:pt x="120000" y="120000"/>
+                </a:lnTo>
+                <a:lnTo>
+                  <a:pt x="0" y="120000"/>
+                </a:lnTo>
+                <a:close/>
+              </a:path>
+            </a:pathLst>
+          </a:custGeom>
+        </p:spPr>
+      </p:sp>
+      <p:sp>
+        <p:nvSpPr>
+          <p:cNvPr id="190" name="Google Shape;190;g85810f4d0b_0_6:notes"/>
           <p:cNvSpPr txBox="1"/>
           <p:nvPr>
             <p:ph idx="1" type="body"/>
@@ -1328,7 +1828,7 @@
       </p:grpSpPr>
       <p:sp>
         <p:nvSpPr>
-          <p:cNvPr id="89" name="Google Shape;89;g85810f4d0b_0_47:notes"/>
+          <p:cNvPr id="89" name="Google Shape;89;g85810f4d0b_0_26:notes"/>
           <p:cNvSpPr/>
           <p:nvPr>
             <p:ph idx="2" type="sldImg"/>
@@ -1363,7 +1863,7 @@
       </p:sp>
       <p:sp>
         <p:nvSpPr>
-          <p:cNvPr id="90" name="Google Shape;90;g85810f4d0b_0_47:notes"/>
+          <p:cNvPr id="90" name="Google Shape;90;g85810f4d0b_0_26:notes"/>
           <p:cNvSpPr txBox="1"/>
           <p:nvPr>
             <p:ph idx="1" type="body"/>
@@ -1427,7 +1927,7 @@
       </p:grpSpPr>
       <p:sp>
         <p:nvSpPr>
-          <p:cNvPr id="95" name="Google Shape;95;g85810f4d0b_0_26:notes"/>
+          <p:cNvPr id="95" name="Google Shape;95;g85810f4d0b_0_47:notes"/>
           <p:cNvSpPr/>
           <p:nvPr>
             <p:ph idx="2" type="sldImg"/>
@@ -1462,7 +1962,7 @@
       </p:sp>
       <p:sp>
         <p:nvSpPr>
-          <p:cNvPr id="96" name="Google Shape;96;g85810f4d0b_0_26:notes"/>
+          <p:cNvPr id="96" name="Google Shape;96;g85810f4d0b_0_47:notes"/>
           <p:cNvSpPr txBox="1"/>
           <p:nvPr>
             <p:ph idx="1" type="body"/>
@@ -1526,7 +2026,7 @@
       </p:grpSpPr>
       <p:sp>
         <p:nvSpPr>
-          <p:cNvPr id="101" name="Google Shape;101;g780393fd79_0_77:notes"/>
+          <p:cNvPr id="101" name="Google Shape;101;g85810f4d0b_0_78:notes"/>
           <p:cNvSpPr/>
           <p:nvPr>
             <p:ph idx="2" type="sldImg"/>
@@ -1561,7 +2061,7 @@
       </p:sp>
       <p:sp>
         <p:nvSpPr>
-          <p:cNvPr id="102" name="Google Shape;102;g780393fd79_0_77:notes"/>
+          <p:cNvPr id="102" name="Google Shape;102;g85810f4d0b_0_78:notes"/>
           <p:cNvSpPr txBox="1"/>
           <p:nvPr>
             <p:ph idx="1" type="body"/>
@@ -1625,7 +2125,7 @@
       </p:grpSpPr>
       <p:sp>
         <p:nvSpPr>
-          <p:cNvPr id="107" name="Google Shape;107;g780393fd79_0_83:notes"/>
+          <p:cNvPr id="107" name="Google Shape;107;g780393fd79_0_77:notes"/>
           <p:cNvSpPr/>
           <p:nvPr>
             <p:ph idx="2" type="sldImg"/>
@@ -1660,7 +2160,7 @@
       </p:sp>
       <p:sp>
         <p:nvSpPr>
-          <p:cNvPr id="108" name="Google Shape;108;g780393fd79_0_83:notes"/>
+          <p:cNvPr id="108" name="Google Shape;108;g780393fd79_0_77:notes"/>
           <p:cNvSpPr txBox="1"/>
           <p:nvPr>
             <p:ph idx="1" type="body"/>
@@ -1724,7 +2224,7 @@
       </p:grpSpPr>
       <p:sp>
         <p:nvSpPr>
-          <p:cNvPr id="113" name="Google Shape;113;g784abe218e_0_5:notes"/>
+          <p:cNvPr id="113" name="Google Shape;113;g780393fd79_0_83:notes"/>
           <p:cNvSpPr/>
           <p:nvPr>
             <p:ph idx="2" type="sldImg"/>
@@ -1759,7 +2259,7 @@
       </p:sp>
       <p:sp>
         <p:nvSpPr>
-          <p:cNvPr id="114" name="Google Shape;114;g784abe218e_0_5:notes"/>
+          <p:cNvPr id="114" name="Google Shape;114;g780393fd79_0_83:notes"/>
           <p:cNvSpPr txBox="1"/>
           <p:nvPr>
             <p:ph idx="1" type="body"/>
@@ -1809,7 +2309,7 @@
   <p:cSld>
     <p:spTree>
       <p:nvGrpSpPr>
-        <p:cNvPr id="117" name="Shape 117"/>
+        <p:cNvPr id="118" name="Shape 118"/>
         <p:cNvGrpSpPr/>
         <p:nvPr/>
       </p:nvGrpSpPr>
@@ -1823,7 +2323,7 @@
       </p:grpSpPr>
       <p:sp>
         <p:nvSpPr>
-          <p:cNvPr id="118" name="Google Shape;118;g784abe218e_0_11:notes"/>
+          <p:cNvPr id="119" name="Google Shape;119;g784abe218e_0_5:notes"/>
           <p:cNvSpPr/>
           <p:nvPr>
             <p:ph idx="2" type="sldImg"/>
@@ -1858,7 +2358,7 @@
       </p:sp>
       <p:sp>
         <p:nvSpPr>
-          <p:cNvPr id="119" name="Google Shape;119;g784abe218e_0_11:notes"/>
+          <p:cNvPr id="120" name="Google Shape;120;g784abe218e_0_5:notes"/>
           <p:cNvSpPr txBox="1"/>
           <p:nvPr>
             <p:ph idx="1" type="body"/>
@@ -1908,7 +2408,7 @@
   <p:cSld>
     <p:spTree>
       <p:nvGrpSpPr>
-        <p:cNvPr id="122" name="Shape 122"/>
+        <p:cNvPr id="123" name="Shape 123"/>
         <p:cNvGrpSpPr/>
         <p:nvPr/>
       </p:nvGrpSpPr>
@@ -1922,7 +2422,7 @@
       </p:grpSpPr>
       <p:sp>
         <p:nvSpPr>
-          <p:cNvPr id="123" name="Google Shape;123;g85810f4d0b_0_34:notes"/>
+          <p:cNvPr id="124" name="Google Shape;124;g784abe218e_0_11:notes"/>
           <p:cNvSpPr/>
           <p:nvPr>
             <p:ph idx="2" type="sldImg"/>
@@ -1957,7 +2457,7 @@
       </p:sp>
       <p:sp>
         <p:nvSpPr>
-          <p:cNvPr id="124" name="Google Shape;124;g85810f4d0b_0_34:notes"/>
+          <p:cNvPr id="125" name="Google Shape;125;g784abe218e_0_11:notes"/>
           <p:cNvSpPr txBox="1"/>
           <p:nvPr>
             <p:ph idx="1" type="body"/>
@@ -2007,7 +2507,7 @@
   <p:cSld>
     <p:spTree>
       <p:nvGrpSpPr>
-        <p:cNvPr id="129" name="Shape 129"/>
+        <p:cNvPr id="128" name="Shape 128"/>
         <p:cNvGrpSpPr/>
         <p:nvPr/>
       </p:nvGrpSpPr>
@@ -2021,7 +2521,7 @@
       </p:grpSpPr>
       <p:sp>
         <p:nvSpPr>
-          <p:cNvPr id="130" name="Google Shape;130;g85810f4d0b_0_40:notes"/>
+          <p:cNvPr id="129" name="Google Shape;129;g85810f4d0b_0_34:notes"/>
           <p:cNvSpPr/>
           <p:nvPr>
             <p:ph idx="2" type="sldImg"/>
@@ -2056,7 +2556,7 @@
       </p:sp>
       <p:sp>
         <p:nvSpPr>
-          <p:cNvPr id="131" name="Google Shape;131;g85810f4d0b_0_40:notes"/>
+          <p:cNvPr id="130" name="Google Shape;130;g85810f4d0b_0_34:notes"/>
           <p:cNvSpPr txBox="1"/>
           <p:nvPr>
             <p:ph idx="1" type="body"/>
@@ -8845,7 +9345,7 @@
   <p:cSld>
     <p:spTree>
       <p:nvGrpSpPr>
-        <p:cNvPr id="137" name="Shape 137"/>
+        <p:cNvPr id="138" name="Shape 138"/>
         <p:cNvGrpSpPr/>
         <p:nvPr/>
       </p:nvGrpSpPr>
@@ -8857,101 +9357,9 @@
           <a:chExt cx="0" cy="0"/>
         </a:xfrm>
       </p:grpSpPr>
-      <p:sp>
-        <p:nvSpPr>
-          <p:cNvPr id="138" name="Google Shape;138;p22"/>
-          <p:cNvSpPr txBox="1"/>
-          <p:nvPr>
-            <p:ph type="title"/>
-          </p:nvPr>
-        </p:nvSpPr>
-        <p:spPr>
-          <a:xfrm>
-            <a:off x="724600" y="0"/>
-            <a:ext cx="7688700" cy="535200"/>
-          </a:xfrm>
-          <a:prstGeom prst="rect">
-            <a:avLst/>
-          </a:prstGeom>
-        </p:spPr>
-        <p:txBody>
-          <a:bodyPr anchorCtr="0" anchor="t" bIns="91425" lIns="91425" spcFirstLastPara="1" rIns="91425" wrap="square" tIns="91425">
-            <a:noAutofit/>
-          </a:bodyPr>
-          <a:lstStyle/>
-          <a:p>
-            <a:pPr indent="0" lvl="0" marL="0" rtl="0" algn="ctr">
-              <a:spcBef>
-                <a:spcPts val="0"/>
-              </a:spcBef>
-              <a:spcAft>
-                <a:spcPts val="0"/>
-              </a:spcAft>
-              <a:buNone/>
-            </a:pPr>
-            <a:r>
-              <a:rPr lang="en-GB"/>
-              <a:t>SonarQube</a:t>
-            </a:r>
-            <a:endParaRPr/>
-          </a:p>
-        </p:txBody>
-      </p:sp>
-      <p:sp>
-        <p:nvSpPr>
-          <p:cNvPr id="139" name="Google Shape;139;p22"/>
-          <p:cNvSpPr txBox="1"/>
-          <p:nvPr>
-            <p:ph idx="1" type="body"/>
-          </p:nvPr>
-        </p:nvSpPr>
-        <p:spPr>
-          <a:xfrm>
-            <a:off x="727650" y="2883950"/>
-            <a:ext cx="7688700" cy="2261100"/>
-          </a:xfrm>
-          <a:prstGeom prst="rect">
-            <a:avLst/>
-          </a:prstGeom>
-        </p:spPr>
-        <p:txBody>
-          <a:bodyPr anchorCtr="0" anchor="t" bIns="91425" lIns="91425" spcFirstLastPara="1" rIns="91425" wrap="square" tIns="91425">
-            <a:noAutofit/>
-          </a:bodyPr>
-          <a:lstStyle/>
-          <a:p>
-            <a:pPr indent="-323850" lvl="0" marL="457200" rtl="0" algn="l">
-              <a:spcBef>
-                <a:spcPts val="0"/>
-              </a:spcBef>
-              <a:spcAft>
-                <a:spcPts val="0"/>
-              </a:spcAft>
-              <a:buClr>
-                <a:srgbClr val="000000"/>
-              </a:buClr>
-              <a:buSzPts val="1500"/>
-              <a:buChar char="●"/>
-            </a:pPr>
-            <a:r>
-              <a:rPr b="1" lang="en-GB" sz="1500">
-                <a:solidFill>
-                  <a:srgbClr val="000000"/>
-                </a:solidFill>
-              </a:rPr>
-              <a:t>Powerful Static Analysis tool</a:t>
-            </a:r>
-            <a:endParaRPr b="1" sz="1500">
-              <a:solidFill>
-                <a:srgbClr val="000000"/>
-              </a:solidFill>
-            </a:endParaRPr>
-          </a:p>
-        </p:txBody>
-      </p:sp>
       <p:pic>
         <p:nvPicPr>
-          <p:cNvPr id="140" name="Google Shape;140;p22"/>
+          <p:cNvPr id="139" name="Google Shape;139;p22"/>
           <p:cNvPicPr preferRelativeResize="0"/>
           <p:nvPr/>
         </p:nvPicPr>
@@ -8965,8 +9373,8 @@
         </p:blipFill>
         <p:spPr>
           <a:xfrm>
-            <a:off x="381000" y="1297200"/>
-            <a:ext cx="8362950" cy="1200150"/>
+            <a:off x="2255525" y="854325"/>
+            <a:ext cx="4922500" cy="3874376"/>
           </a:xfrm>
           <a:prstGeom prst="rect">
             <a:avLst/>
@@ -8990,7 +9398,7 @@
   <p:cSld>
     <p:spTree>
       <p:nvGrpSpPr>
-        <p:cNvPr id="144" name="Shape 144"/>
+        <p:cNvPr id="143" name="Shape 143"/>
         <p:cNvGrpSpPr/>
         <p:nvPr/>
       </p:nvGrpSpPr>
@@ -9004,7 +9412,7 @@
       </p:grpSpPr>
       <p:sp>
         <p:nvSpPr>
-          <p:cNvPr id="145" name="Google Shape;145;p23"/>
+          <p:cNvPr id="144" name="Google Shape;144;p23"/>
           <p:cNvSpPr txBox="1"/>
           <p:nvPr>
             <p:ph type="title"/>
@@ -9012,7 +9420,7 @@
         </p:nvSpPr>
         <p:spPr>
           <a:xfrm>
-            <a:off x="729450" y="-52950"/>
+            <a:off x="727650" y="0"/>
             <a:ext cx="7688700" cy="535200"/>
           </a:xfrm>
           <a:prstGeom prst="rect">
@@ -9036,7 +9444,7 @@
             </a:pPr>
             <a:r>
               <a:rPr lang="en-GB"/>
-              <a:t>Nexus </a:t>
+              <a:t>Postman</a:t>
             </a:r>
             <a:endParaRPr/>
           </a:p>
@@ -9044,7 +9452,7 @@
       </p:sp>
       <p:pic>
         <p:nvPicPr>
-          <p:cNvPr id="146" name="Google Shape;146;p23"/>
+          <p:cNvPr id="145" name="Google Shape;145;p23"/>
           <p:cNvPicPr preferRelativeResize="0"/>
           <p:nvPr/>
         </p:nvPicPr>
@@ -9058,8 +9466,8 @@
         </p:blipFill>
         <p:spPr>
           <a:xfrm>
-            <a:off x="2083000" y="1357600"/>
-            <a:ext cx="6962775" cy="3381375"/>
+            <a:off x="462850" y="768900"/>
+            <a:ext cx="8218301" cy="3644699"/>
           </a:xfrm>
           <a:prstGeom prst="rect">
             <a:avLst/>
@@ -9083,7 +9491,113 @@
   <p:cSld>
     <p:spTree>
       <p:nvGrpSpPr>
-        <p:cNvPr id="150" name="Shape 150"/>
+        <p:cNvPr id="149" name="Shape 149"/>
+        <p:cNvGrpSpPr/>
+        <p:nvPr/>
+      </p:nvGrpSpPr>
+      <p:grpSpPr>
+        <a:xfrm>
+          <a:off x="0" y="0"/>
+          <a:ext cx="0" cy="0"/>
+          <a:chOff x="0" y="0"/>
+          <a:chExt cx="0" cy="0"/>
+        </a:xfrm>
+      </p:grpSpPr>
+      <p:pic>
+        <p:nvPicPr>
+          <p:cNvPr id="150" name="Google Shape;150;p24"/>
+          <p:cNvPicPr preferRelativeResize="0"/>
+          <p:nvPr/>
+        </p:nvPicPr>
+        <p:blipFill>
+          <a:blip r:embed="rId3">
+            <a:alphaModFix/>
+          </a:blip>
+          <a:stretch>
+            <a:fillRect/>
+          </a:stretch>
+        </p:blipFill>
+        <p:spPr>
+          <a:xfrm>
+            <a:off x="487650" y="842475"/>
+            <a:ext cx="8221049" cy="3660924"/>
+          </a:xfrm>
+          <a:prstGeom prst="rect">
+            <a:avLst/>
+          </a:prstGeom>
+          <a:noFill/>
+          <a:ln>
+            <a:noFill/>
+          </a:ln>
+        </p:spPr>
+      </p:pic>
+    </p:spTree>
+  </p:cSld>
+  <p:clrMapOvr>
+    <a:masterClrMapping/>
+  </p:clrMapOvr>
+</p:sld>
+</file>
+
+<file path=ppt/slides/slide13.xml><?xml version="1.0" encoding="utf-8"?>
+<p:sld xmlns:a="http://schemas.openxmlformats.org/drawingml/2006/main" xmlns:r="http://schemas.openxmlformats.org/officeDocument/2006/relationships" xmlns:mc="http://schemas.openxmlformats.org/markup-compatibility/2006" xmlns:mv="urn:schemas-microsoft-com:mac:vml" xmlns:p="http://schemas.openxmlformats.org/presentationml/2006/main" xmlns:c="http://schemas.openxmlformats.org/drawingml/2006/chart" xmlns:dgm="http://schemas.openxmlformats.org/drawingml/2006/diagram" xmlns:o="urn:schemas-microsoft-com:office:office" xmlns:v="urn:schemas-microsoft-com:vml" xmlns:pvml="urn:schemas-microsoft-com:office:powerpoint" xmlns:com="http://schemas.openxmlformats.org/drawingml/2006/compatibility" xmlns:p14="http://schemas.microsoft.com/office/powerpoint/2010/main" xmlns:p15="http://schemas.microsoft.com/office/powerpoint/2012/main">
+  <p:cSld>
+    <p:spTree>
+      <p:nvGrpSpPr>
+        <p:cNvPr id="154" name="Shape 154"/>
+        <p:cNvGrpSpPr/>
+        <p:nvPr/>
+      </p:nvGrpSpPr>
+      <p:grpSpPr>
+        <a:xfrm>
+          <a:off x="0" y="0"/>
+          <a:ext cx="0" cy="0"/>
+          <a:chOff x="0" y="0"/>
+          <a:chExt cx="0" cy="0"/>
+        </a:xfrm>
+      </p:grpSpPr>
+      <p:pic>
+        <p:nvPicPr>
+          <p:cNvPr id="155" name="Google Shape;155;p25"/>
+          <p:cNvPicPr preferRelativeResize="0"/>
+          <p:nvPr/>
+        </p:nvPicPr>
+        <p:blipFill>
+          <a:blip r:embed="rId3">
+            <a:alphaModFix/>
+          </a:blip>
+          <a:stretch>
+            <a:fillRect/>
+          </a:stretch>
+        </p:blipFill>
+        <p:spPr>
+          <a:xfrm>
+            <a:off x="381000" y="819125"/>
+            <a:ext cx="8370876" cy="3745251"/>
+          </a:xfrm>
+          <a:prstGeom prst="rect">
+            <a:avLst/>
+          </a:prstGeom>
+          <a:noFill/>
+          <a:ln>
+            <a:noFill/>
+          </a:ln>
+        </p:spPr>
+      </p:pic>
+    </p:spTree>
+  </p:cSld>
+  <p:clrMapOvr>
+    <a:masterClrMapping/>
+  </p:clrMapOvr>
+</p:sld>
+</file>
+
+<file path=ppt/slides/slide14.xml><?xml version="1.0" encoding="utf-8"?>
+<p:sld xmlns:a="http://schemas.openxmlformats.org/drawingml/2006/main" xmlns:r="http://schemas.openxmlformats.org/officeDocument/2006/relationships" xmlns:mc="http://schemas.openxmlformats.org/markup-compatibility/2006" xmlns:mv="urn:schemas-microsoft-com:mac:vml" xmlns:p="http://schemas.openxmlformats.org/presentationml/2006/main" xmlns:c="http://schemas.openxmlformats.org/drawingml/2006/chart" xmlns:dgm="http://schemas.openxmlformats.org/drawingml/2006/diagram" xmlns:o="urn:schemas-microsoft-com:office:office" xmlns:v="urn:schemas-microsoft-com:vml" xmlns:pvml="urn:schemas-microsoft-com:office:powerpoint" xmlns:com="http://schemas.openxmlformats.org/drawingml/2006/compatibility" xmlns:p14="http://schemas.microsoft.com/office/powerpoint/2010/main" xmlns:p15="http://schemas.microsoft.com/office/powerpoint/2012/main">
+  <p:cSld>
+    <p:spTree>
+      <p:nvGrpSpPr>
+        <p:cNvPr id="159" name="Shape 159"/>
         <p:cNvGrpSpPr/>
         <p:nvPr/>
       </p:nvGrpSpPr>
@@ -9097,7 +9611,7 @@
       </p:grpSpPr>
       <p:sp>
         <p:nvSpPr>
-          <p:cNvPr id="151" name="Google Shape;151;p24"/>
+          <p:cNvPr id="160" name="Google Shape;160;p26"/>
           <p:cNvSpPr txBox="1"/>
           <p:nvPr>
             <p:ph type="title"/>
@@ -9129,6 +9643,473 @@
             </a:pPr>
             <a:r>
               <a:rPr lang="en-GB"/>
+              <a:t>CI Pipeline</a:t>
+            </a:r>
+            <a:endParaRPr/>
+          </a:p>
+        </p:txBody>
+      </p:sp>
+      <p:sp>
+        <p:nvSpPr>
+          <p:cNvPr id="161" name="Google Shape;161;p26"/>
+          <p:cNvSpPr txBox="1"/>
+          <p:nvPr>
+            <p:ph idx="1" type="body"/>
+          </p:nvPr>
+        </p:nvSpPr>
+        <p:spPr>
+          <a:xfrm>
+            <a:off x="729450" y="2078875"/>
+            <a:ext cx="7688700" cy="2261100"/>
+          </a:xfrm>
+          <a:prstGeom prst="rect">
+            <a:avLst/>
+          </a:prstGeom>
+        </p:spPr>
+        <p:txBody>
+          <a:bodyPr anchorCtr="0" anchor="t" bIns="91425" lIns="91425" spcFirstLastPara="1" rIns="91425" wrap="square" tIns="91425">
+            <a:noAutofit/>
+          </a:bodyPr>
+          <a:lstStyle/>
+          <a:p>
+            <a:pPr indent="-323850" lvl="0" marL="457200" rtl="0" algn="l">
+              <a:spcBef>
+                <a:spcPts val="0"/>
+              </a:spcBef>
+              <a:spcAft>
+                <a:spcPts val="0"/>
+              </a:spcAft>
+              <a:buClr>
+                <a:srgbClr val="000000"/>
+              </a:buClr>
+              <a:buSzPts val="1500"/>
+              <a:buChar char="●"/>
+            </a:pPr>
+            <a:r>
+              <a:rPr b="1" lang="en-GB" sz="1500">
+                <a:solidFill>
+                  <a:srgbClr val="000000"/>
+                </a:solidFill>
+              </a:rPr>
+              <a:t>Jenkins</a:t>
+            </a:r>
+            <a:endParaRPr b="1" sz="1500">
+              <a:solidFill>
+                <a:srgbClr val="000000"/>
+              </a:solidFill>
+            </a:endParaRPr>
+          </a:p>
+          <a:p>
+            <a:pPr indent="-323850" lvl="0" marL="457200" rtl="0" algn="l">
+              <a:spcBef>
+                <a:spcPts val="0"/>
+              </a:spcBef>
+              <a:spcAft>
+                <a:spcPts val="0"/>
+              </a:spcAft>
+              <a:buClr>
+                <a:srgbClr val="000000"/>
+              </a:buClr>
+              <a:buSzPts val="1500"/>
+              <a:buChar char="●"/>
+            </a:pPr>
+            <a:r>
+              <a:rPr b="1" lang="en-GB" sz="1500">
+                <a:solidFill>
+                  <a:srgbClr val="000000"/>
+                </a:solidFill>
+              </a:rPr>
+              <a:t>SonarQube</a:t>
+            </a:r>
+            <a:endParaRPr b="1" sz="1500">
+              <a:solidFill>
+                <a:srgbClr val="000000"/>
+              </a:solidFill>
+            </a:endParaRPr>
+          </a:p>
+          <a:p>
+            <a:pPr indent="-323850" lvl="0" marL="457200" rtl="0" algn="l">
+              <a:spcBef>
+                <a:spcPts val="0"/>
+              </a:spcBef>
+              <a:spcAft>
+                <a:spcPts val="0"/>
+              </a:spcAft>
+              <a:buClr>
+                <a:srgbClr val="000000"/>
+              </a:buClr>
+              <a:buSzPts val="1500"/>
+              <a:buChar char="●"/>
+            </a:pPr>
+            <a:r>
+              <a:rPr b="1" lang="en-GB" sz="1500">
+                <a:solidFill>
+                  <a:srgbClr val="000000"/>
+                </a:solidFill>
+              </a:rPr>
+              <a:t>Nexus</a:t>
+            </a:r>
+            <a:endParaRPr b="1" sz="1500">
+              <a:solidFill>
+                <a:srgbClr val="000000"/>
+              </a:solidFill>
+            </a:endParaRPr>
+          </a:p>
+        </p:txBody>
+      </p:sp>
+    </p:spTree>
+  </p:cSld>
+  <p:clrMapOvr>
+    <a:masterClrMapping/>
+  </p:clrMapOvr>
+</p:sld>
+</file>
+
+<file path=ppt/slides/slide15.xml><?xml version="1.0" encoding="utf-8"?>
+<p:sld xmlns:a="http://schemas.openxmlformats.org/drawingml/2006/main" xmlns:r="http://schemas.openxmlformats.org/officeDocument/2006/relationships" xmlns:mc="http://schemas.openxmlformats.org/markup-compatibility/2006" xmlns:mv="urn:schemas-microsoft-com:mac:vml" xmlns:p="http://schemas.openxmlformats.org/presentationml/2006/main" xmlns:c="http://schemas.openxmlformats.org/drawingml/2006/chart" xmlns:dgm="http://schemas.openxmlformats.org/drawingml/2006/diagram" xmlns:o="urn:schemas-microsoft-com:office:office" xmlns:v="urn:schemas-microsoft-com:vml" xmlns:pvml="urn:schemas-microsoft-com:office:powerpoint" xmlns:com="http://schemas.openxmlformats.org/drawingml/2006/compatibility" xmlns:p14="http://schemas.microsoft.com/office/powerpoint/2010/main" xmlns:p15="http://schemas.microsoft.com/office/powerpoint/2012/main">
+  <p:cSld>
+    <p:spTree>
+      <p:nvGrpSpPr>
+        <p:cNvPr id="165" name="Shape 165"/>
+        <p:cNvGrpSpPr/>
+        <p:nvPr/>
+      </p:nvGrpSpPr>
+      <p:grpSpPr>
+        <a:xfrm>
+          <a:off x="0" y="0"/>
+          <a:ext cx="0" cy="0"/>
+          <a:chOff x="0" y="0"/>
+          <a:chExt cx="0" cy="0"/>
+        </a:xfrm>
+      </p:grpSpPr>
+      <p:sp>
+        <p:nvSpPr>
+          <p:cNvPr id="166" name="Google Shape;166;p27"/>
+          <p:cNvSpPr txBox="1"/>
+          <p:nvPr>
+            <p:ph type="title"/>
+          </p:nvPr>
+        </p:nvSpPr>
+        <p:spPr>
+          <a:xfrm>
+            <a:off x="724600" y="0"/>
+            <a:ext cx="7688700" cy="535200"/>
+          </a:xfrm>
+          <a:prstGeom prst="rect">
+            <a:avLst/>
+          </a:prstGeom>
+        </p:spPr>
+        <p:txBody>
+          <a:bodyPr anchorCtr="0" anchor="t" bIns="91425" lIns="91425" spcFirstLastPara="1" rIns="91425" wrap="square" tIns="91425">
+            <a:noAutofit/>
+          </a:bodyPr>
+          <a:lstStyle/>
+          <a:p>
+            <a:pPr indent="0" lvl="0" marL="0" rtl="0" algn="ctr">
+              <a:spcBef>
+                <a:spcPts val="0"/>
+              </a:spcBef>
+              <a:spcAft>
+                <a:spcPts val="0"/>
+              </a:spcAft>
+              <a:buNone/>
+            </a:pPr>
+            <a:r>
+              <a:rPr lang="en-GB"/>
+              <a:t>SonarQube</a:t>
+            </a:r>
+            <a:endParaRPr/>
+          </a:p>
+        </p:txBody>
+      </p:sp>
+      <p:sp>
+        <p:nvSpPr>
+          <p:cNvPr id="167" name="Google Shape;167;p27"/>
+          <p:cNvSpPr txBox="1"/>
+          <p:nvPr>
+            <p:ph idx="1" type="body"/>
+          </p:nvPr>
+        </p:nvSpPr>
+        <p:spPr>
+          <a:xfrm>
+            <a:off x="194250" y="2579150"/>
+            <a:ext cx="3326100" cy="2261100"/>
+          </a:xfrm>
+          <a:prstGeom prst="rect">
+            <a:avLst/>
+          </a:prstGeom>
+        </p:spPr>
+        <p:txBody>
+          <a:bodyPr anchorCtr="0" anchor="t" bIns="91425" lIns="91425" spcFirstLastPara="1" rIns="91425" wrap="square" tIns="91425">
+            <a:noAutofit/>
+          </a:bodyPr>
+          <a:lstStyle/>
+          <a:p>
+            <a:pPr indent="-323850" lvl="0" marL="457200" rtl="0" algn="l">
+              <a:spcBef>
+                <a:spcPts val="0"/>
+              </a:spcBef>
+              <a:spcAft>
+                <a:spcPts val="0"/>
+              </a:spcAft>
+              <a:buClr>
+                <a:srgbClr val="000000"/>
+              </a:buClr>
+              <a:buSzPts val="1500"/>
+              <a:buChar char="●"/>
+            </a:pPr>
+            <a:r>
+              <a:rPr b="1" lang="en-GB" sz="1500">
+                <a:solidFill>
+                  <a:srgbClr val="000000"/>
+                </a:solidFill>
+              </a:rPr>
+              <a:t>Hosted on a GCP VM instance</a:t>
+            </a:r>
+            <a:endParaRPr b="1" sz="1500">
+              <a:solidFill>
+                <a:srgbClr val="000000"/>
+              </a:solidFill>
+            </a:endParaRPr>
+          </a:p>
+          <a:p>
+            <a:pPr indent="-323850" lvl="0" marL="457200" rtl="0" algn="l">
+              <a:spcBef>
+                <a:spcPts val="0"/>
+              </a:spcBef>
+              <a:spcAft>
+                <a:spcPts val="0"/>
+              </a:spcAft>
+              <a:buClr>
+                <a:srgbClr val="000000"/>
+              </a:buClr>
+              <a:buSzPts val="1500"/>
+              <a:buChar char="●"/>
+            </a:pPr>
+            <a:r>
+              <a:rPr b="1" lang="en-GB" sz="1500">
+                <a:solidFill>
+                  <a:srgbClr val="000000"/>
+                </a:solidFill>
+              </a:rPr>
+              <a:t>Powerful Static Analysis tool</a:t>
+            </a:r>
+            <a:endParaRPr b="1" sz="1500">
+              <a:solidFill>
+                <a:srgbClr val="000000"/>
+              </a:solidFill>
+            </a:endParaRPr>
+          </a:p>
+        </p:txBody>
+      </p:sp>
+      <p:pic>
+        <p:nvPicPr>
+          <p:cNvPr id="168" name="Google Shape;168;p27"/>
+          <p:cNvPicPr preferRelativeResize="0"/>
+          <p:nvPr/>
+        </p:nvPicPr>
+        <p:blipFill>
+          <a:blip r:embed="rId3">
+            <a:alphaModFix/>
+          </a:blip>
+          <a:stretch>
+            <a:fillRect/>
+          </a:stretch>
+        </p:blipFill>
+        <p:spPr>
+          <a:xfrm>
+            <a:off x="685800" y="631960"/>
+            <a:ext cx="7688701" cy="1103390"/>
+          </a:xfrm>
+          <a:prstGeom prst="rect">
+            <a:avLst/>
+          </a:prstGeom>
+          <a:noFill/>
+          <a:ln>
+            <a:noFill/>
+          </a:ln>
+        </p:spPr>
+      </p:pic>
+      <p:pic>
+        <p:nvPicPr>
+          <p:cNvPr id="169" name="Google Shape;169;p27"/>
+          <p:cNvPicPr preferRelativeResize="0"/>
+          <p:nvPr/>
+        </p:nvPicPr>
+        <p:blipFill>
+          <a:blip r:embed="rId4">
+            <a:alphaModFix/>
+          </a:blip>
+          <a:stretch>
+            <a:fillRect/>
+          </a:stretch>
+        </p:blipFill>
+        <p:spPr>
+          <a:xfrm>
+            <a:off x="3895725" y="2318800"/>
+            <a:ext cx="5140151" cy="2633450"/>
+          </a:xfrm>
+          <a:prstGeom prst="rect">
+            <a:avLst/>
+          </a:prstGeom>
+          <a:noFill/>
+          <a:ln>
+            <a:noFill/>
+          </a:ln>
+        </p:spPr>
+      </p:pic>
+    </p:spTree>
+  </p:cSld>
+  <p:clrMapOvr>
+    <a:masterClrMapping/>
+  </p:clrMapOvr>
+</p:sld>
+</file>
+
+<file path=ppt/slides/slide16.xml><?xml version="1.0" encoding="utf-8"?>
+<p:sld xmlns:a="http://schemas.openxmlformats.org/drawingml/2006/main" xmlns:r="http://schemas.openxmlformats.org/officeDocument/2006/relationships" xmlns:mc="http://schemas.openxmlformats.org/markup-compatibility/2006" xmlns:mv="urn:schemas-microsoft-com:mac:vml" xmlns:p="http://schemas.openxmlformats.org/presentationml/2006/main" xmlns:c="http://schemas.openxmlformats.org/drawingml/2006/chart" xmlns:dgm="http://schemas.openxmlformats.org/drawingml/2006/diagram" xmlns:o="urn:schemas-microsoft-com:office:office" xmlns:v="urn:schemas-microsoft-com:vml" xmlns:pvml="urn:schemas-microsoft-com:office:powerpoint" xmlns:com="http://schemas.openxmlformats.org/drawingml/2006/compatibility" xmlns:p14="http://schemas.microsoft.com/office/powerpoint/2010/main" xmlns:p15="http://schemas.microsoft.com/office/powerpoint/2012/main">
+  <p:cSld>
+    <p:spTree>
+      <p:nvGrpSpPr>
+        <p:cNvPr id="173" name="Shape 173"/>
+        <p:cNvGrpSpPr/>
+        <p:nvPr/>
+      </p:nvGrpSpPr>
+      <p:grpSpPr>
+        <a:xfrm>
+          <a:off x="0" y="0"/>
+          <a:ext cx="0" cy="0"/>
+          <a:chOff x="0" y="0"/>
+          <a:chExt cx="0" cy="0"/>
+        </a:xfrm>
+      </p:grpSpPr>
+      <p:sp>
+        <p:nvSpPr>
+          <p:cNvPr id="174" name="Google Shape;174;p28"/>
+          <p:cNvSpPr txBox="1"/>
+          <p:nvPr>
+            <p:ph type="title"/>
+          </p:nvPr>
+        </p:nvSpPr>
+        <p:spPr>
+          <a:xfrm>
+            <a:off x="729450" y="-52950"/>
+            <a:ext cx="7688700" cy="535200"/>
+          </a:xfrm>
+          <a:prstGeom prst="rect">
+            <a:avLst/>
+          </a:prstGeom>
+        </p:spPr>
+        <p:txBody>
+          <a:bodyPr anchorCtr="0" anchor="t" bIns="91425" lIns="91425" spcFirstLastPara="1" rIns="91425" wrap="square" tIns="91425">
+            <a:noAutofit/>
+          </a:bodyPr>
+          <a:lstStyle/>
+          <a:p>
+            <a:pPr indent="0" lvl="0" marL="0" rtl="0" algn="ctr">
+              <a:spcBef>
+                <a:spcPts val="0"/>
+              </a:spcBef>
+              <a:spcAft>
+                <a:spcPts val="0"/>
+              </a:spcAft>
+              <a:buNone/>
+            </a:pPr>
+            <a:r>
+              <a:rPr lang="en-GB"/>
+              <a:t>Nexus </a:t>
+            </a:r>
+            <a:endParaRPr/>
+          </a:p>
+        </p:txBody>
+      </p:sp>
+      <p:pic>
+        <p:nvPicPr>
+          <p:cNvPr id="175" name="Google Shape;175;p28"/>
+          <p:cNvPicPr preferRelativeResize="0"/>
+          <p:nvPr/>
+        </p:nvPicPr>
+        <p:blipFill>
+          <a:blip r:embed="rId3">
+            <a:alphaModFix/>
+          </a:blip>
+          <a:stretch>
+            <a:fillRect/>
+          </a:stretch>
+        </p:blipFill>
+        <p:spPr>
+          <a:xfrm>
+            <a:off x="2235400" y="1509997"/>
+            <a:ext cx="6335149" cy="3076577"/>
+          </a:xfrm>
+          <a:prstGeom prst="rect">
+            <a:avLst/>
+          </a:prstGeom>
+          <a:noFill/>
+          <a:ln>
+            <a:noFill/>
+          </a:ln>
+        </p:spPr>
+      </p:pic>
+    </p:spTree>
+  </p:cSld>
+  <p:clrMapOvr>
+    <a:masterClrMapping/>
+  </p:clrMapOvr>
+</p:sld>
+</file>
+
+<file path=ppt/slides/slide17.xml><?xml version="1.0" encoding="utf-8"?>
+<p:sld xmlns:a="http://schemas.openxmlformats.org/drawingml/2006/main" xmlns:r="http://schemas.openxmlformats.org/officeDocument/2006/relationships" xmlns:mc="http://schemas.openxmlformats.org/markup-compatibility/2006" xmlns:mv="urn:schemas-microsoft-com:mac:vml" xmlns:p="http://schemas.openxmlformats.org/presentationml/2006/main" xmlns:c="http://schemas.openxmlformats.org/drawingml/2006/chart" xmlns:dgm="http://schemas.openxmlformats.org/drawingml/2006/diagram" xmlns:o="urn:schemas-microsoft-com:office:office" xmlns:v="urn:schemas-microsoft-com:vml" xmlns:pvml="urn:schemas-microsoft-com:office:powerpoint" xmlns:com="http://schemas.openxmlformats.org/drawingml/2006/compatibility" xmlns:p14="http://schemas.microsoft.com/office/powerpoint/2010/main" xmlns:p15="http://schemas.microsoft.com/office/powerpoint/2012/main">
+  <p:cSld>
+    <p:spTree>
+      <p:nvGrpSpPr>
+        <p:cNvPr id="179" name="Shape 179"/>
+        <p:cNvGrpSpPr/>
+        <p:nvPr/>
+      </p:nvGrpSpPr>
+      <p:grpSpPr>
+        <a:xfrm>
+          <a:off x="0" y="0"/>
+          <a:ext cx="0" cy="0"/>
+          <a:chOff x="0" y="0"/>
+          <a:chExt cx="0" cy="0"/>
+        </a:xfrm>
+      </p:grpSpPr>
+      <p:sp>
+        <p:nvSpPr>
+          <p:cNvPr id="180" name="Google Shape;180;p29"/>
+          <p:cNvSpPr txBox="1"/>
+          <p:nvPr>
+            <p:ph type="title"/>
+          </p:nvPr>
+        </p:nvSpPr>
+        <p:spPr>
+          <a:xfrm>
+            <a:off x="729450" y="-52950"/>
+            <a:ext cx="7688700" cy="535200"/>
+          </a:xfrm>
+          <a:prstGeom prst="rect">
+            <a:avLst/>
+          </a:prstGeom>
+        </p:spPr>
+        <p:txBody>
+          <a:bodyPr anchorCtr="0" anchor="t" bIns="91425" lIns="91425" spcFirstLastPara="1" rIns="91425" wrap="square" tIns="91425">
+            <a:noAutofit/>
+          </a:bodyPr>
+          <a:lstStyle/>
+          <a:p>
+            <a:pPr indent="0" lvl="0" marL="0" rtl="0" algn="ctr">
+              <a:spcBef>
+                <a:spcPts val="0"/>
+              </a:spcBef>
+              <a:spcAft>
+                <a:spcPts val="0"/>
+              </a:spcAft>
+              <a:buNone/>
+            </a:pPr>
+            <a:r>
+              <a:rPr lang="en-GB"/>
               <a:t>Demo</a:t>
             </a:r>
             <a:endParaRPr/>
@@ -9137,7 +10118,7 @@
       </p:sp>
       <p:sp>
         <p:nvSpPr>
-          <p:cNvPr id="152" name="Google Shape;152;p24"/>
+          <p:cNvPr id="181" name="Google Shape;181;p29"/>
           <p:cNvSpPr txBox="1"/>
           <p:nvPr>
             <p:ph idx="1" type="body"/>
@@ -9251,12 +10232,12 @@
 </p:sld>
 </file>
 
-<file path=ppt/slides/slide13.xml><?xml version="1.0" encoding="utf-8"?>
+<file path=ppt/slides/slide18.xml><?xml version="1.0" encoding="utf-8"?>
 <p:sld xmlns:a="http://schemas.openxmlformats.org/drawingml/2006/main" xmlns:r="http://schemas.openxmlformats.org/officeDocument/2006/relationships" xmlns:mc="http://schemas.openxmlformats.org/markup-compatibility/2006" xmlns:mv="urn:schemas-microsoft-com:mac:vml" xmlns:p="http://schemas.openxmlformats.org/presentationml/2006/main" xmlns:c="http://schemas.openxmlformats.org/drawingml/2006/chart" xmlns:dgm="http://schemas.openxmlformats.org/drawingml/2006/diagram" xmlns:o="urn:schemas-microsoft-com:office:office" xmlns:v="urn:schemas-microsoft-com:vml" xmlns:pvml="urn:schemas-microsoft-com:office:powerpoint" xmlns:com="http://schemas.openxmlformats.org/drawingml/2006/compatibility" xmlns:p14="http://schemas.microsoft.com/office/powerpoint/2010/main" xmlns:p15="http://schemas.microsoft.com/office/powerpoint/2012/main">
   <p:cSld>
     <p:spTree>
       <p:nvGrpSpPr>
-        <p:cNvPr id="156" name="Shape 156"/>
+        <p:cNvPr id="185" name="Shape 185"/>
         <p:cNvGrpSpPr/>
         <p:nvPr/>
       </p:nvGrpSpPr>
@@ -9270,7 +10251,7 @@
       </p:grpSpPr>
       <p:sp>
         <p:nvSpPr>
-          <p:cNvPr id="157" name="Google Shape;157;p25"/>
+          <p:cNvPr id="186" name="Google Shape;186;p30"/>
           <p:cNvSpPr txBox="1"/>
           <p:nvPr>
             <p:ph type="title"/>
@@ -9310,7 +10291,7 @@
       </p:sp>
       <p:sp>
         <p:nvSpPr>
-          <p:cNvPr id="158" name="Google Shape;158;p25"/>
+          <p:cNvPr id="187" name="Google Shape;187;p30"/>
           <p:cNvSpPr txBox="1"/>
           <p:nvPr>
             <p:ph idx="1" type="body"/>
@@ -9406,7 +10387,7 @@
                   <a:srgbClr val="000000"/>
                 </a:solidFill>
               </a:rPr>
-              <a:t>Develop front-end further  -  improve knowledge of JavaScript in particular to </a:t>
+              <a:t>Develop front-end further  -  improve understanding of JavaScript in particular to </a:t>
             </a:r>
             <a:r>
               <a:rPr b="1" lang="en-GB">
@@ -9484,12 +10465,12 @@
 </p:sld>
 </file>
 
-<file path=ppt/slides/slide14.xml><?xml version="1.0" encoding="utf-8"?>
+<file path=ppt/slides/slide19.xml><?xml version="1.0" encoding="utf-8"?>
 <p:sld xmlns:a="http://schemas.openxmlformats.org/drawingml/2006/main" xmlns:r="http://schemas.openxmlformats.org/officeDocument/2006/relationships" xmlns:mc="http://schemas.openxmlformats.org/markup-compatibility/2006" xmlns:mv="urn:schemas-microsoft-com:mac:vml" xmlns:p="http://schemas.openxmlformats.org/presentationml/2006/main" xmlns:c="http://schemas.openxmlformats.org/drawingml/2006/chart" xmlns:dgm="http://schemas.openxmlformats.org/drawingml/2006/diagram" xmlns:o="urn:schemas-microsoft-com:office:office" xmlns:v="urn:schemas-microsoft-com:vml" xmlns:pvml="urn:schemas-microsoft-com:office:powerpoint" xmlns:com="http://schemas.openxmlformats.org/drawingml/2006/compatibility" xmlns:p14="http://schemas.microsoft.com/office/powerpoint/2010/main" xmlns:p15="http://schemas.microsoft.com/office/powerpoint/2012/main">
   <p:cSld>
     <p:spTree>
       <p:nvGrpSpPr>
-        <p:cNvPr id="162" name="Shape 162"/>
+        <p:cNvPr id="191" name="Shape 191"/>
         <p:cNvGrpSpPr/>
         <p:nvPr/>
       </p:nvGrpSpPr>
@@ -9503,7 +10484,7 @@
       </p:grpSpPr>
       <p:sp>
         <p:nvSpPr>
-          <p:cNvPr id="163" name="Google Shape;163;p26"/>
+          <p:cNvPr id="192" name="Google Shape;192;p31"/>
           <p:cNvSpPr txBox="1"/>
           <p:nvPr>
             <p:ph type="title"/>
@@ -9600,7 +10581,7 @@
             </a:pPr>
             <a:r>
               <a:rPr lang="en-GB"/>
-              <a:t>Intro</a:t>
+              <a:t>New skills learned</a:t>
             </a:r>
             <a:endParaRPr/>
           </a:p>
@@ -9610,18 +10591,20 @@
         <p:nvSpPr>
           <p:cNvPr id="93" name="Google Shape;93;p14"/>
           <p:cNvSpPr txBox="1"/>
-          <p:nvPr>
-            <p:ph idx="1" type="body"/>
-          </p:nvPr>
+          <p:nvPr/>
         </p:nvSpPr>
         <p:spPr>
           <a:xfrm>
-            <a:off x="729450" y="1494300"/>
-            <a:ext cx="7688700" cy="2845800"/>
+            <a:off x="777750" y="1470575"/>
+            <a:ext cx="6826500" cy="2725800"/>
           </a:xfrm>
           <a:prstGeom prst="rect">
             <a:avLst/>
           </a:prstGeom>
+          <a:noFill/>
+          <a:ln>
+            <a:noFill/>
+          </a:ln>
         </p:spPr>
         <p:txBody>
           <a:bodyPr anchorCtr="0" anchor="t" bIns="91425" lIns="91425" spcFirstLastPara="1" rIns="91425" wrap="square" tIns="91425">
@@ -9636,34 +10619,14 @@
               <a:spcAft>
                 <a:spcPts val="0"/>
               </a:spcAft>
-              <a:buClr>
-                <a:srgbClr val="000000"/>
-              </a:buClr>
               <a:buSzPts val="1500"/>
-              <a:buFont typeface="Arial"/>
               <a:buChar char="●"/>
             </a:pPr>
             <a:r>
-              <a:rPr b="1" lang="en-GB" sz="1500">
-                <a:solidFill>
-                  <a:srgbClr val="000000"/>
-                </a:solidFill>
-                <a:latin typeface="Arial"/>
-                <a:ea typeface="Arial"/>
-                <a:cs typeface="Arial"/>
-                <a:sym typeface="Arial"/>
-              </a:rPr>
-              <a:t>Methodology/Workflow</a:t>
+              <a:rPr b="1" lang="en-GB" sz="1500"/>
+              <a:t>Spring Boot</a:t>
             </a:r>
-            <a:endParaRPr b="1" sz="1500">
-              <a:solidFill>
-                <a:srgbClr val="000000"/>
-              </a:solidFill>
-              <a:latin typeface="Arial"/>
-              <a:ea typeface="Arial"/>
-              <a:cs typeface="Arial"/>
-              <a:sym typeface="Arial"/>
-            </a:endParaRPr>
+            <a:endParaRPr b="1" sz="1500"/>
           </a:p>
           <a:p>
             <a:pPr indent="-323850" lvl="0" marL="457200" rtl="0" algn="l">
@@ -9673,34 +10636,14 @@
               <a:spcAft>
                 <a:spcPts val="0"/>
               </a:spcAft>
-              <a:buClr>
-                <a:srgbClr val="000000"/>
-              </a:buClr>
               <a:buSzPts val="1500"/>
-              <a:buFont typeface="Arial"/>
               <a:buChar char="●"/>
             </a:pPr>
             <a:r>
-              <a:rPr b="1" lang="en-GB" sz="1500">
-                <a:solidFill>
-                  <a:srgbClr val="000000"/>
-                </a:solidFill>
-                <a:latin typeface="Arial"/>
-                <a:ea typeface="Arial"/>
-                <a:cs typeface="Arial"/>
-                <a:sym typeface="Arial"/>
-              </a:rPr>
-              <a:t>CI Pipeline</a:t>
+              <a:rPr b="1" lang="en-GB" sz="1500"/>
+              <a:t>JavaScript</a:t>
             </a:r>
-            <a:endParaRPr b="1" sz="1500">
-              <a:solidFill>
-                <a:srgbClr val="000000"/>
-              </a:solidFill>
-              <a:latin typeface="Arial"/>
-              <a:ea typeface="Arial"/>
-              <a:cs typeface="Arial"/>
-              <a:sym typeface="Arial"/>
-            </a:endParaRPr>
+            <a:endParaRPr b="1" sz="1500"/>
           </a:p>
           <a:p>
             <a:pPr indent="-323850" lvl="0" marL="457200" rtl="0" algn="l">
@@ -9710,34 +10653,14 @@
               <a:spcAft>
                 <a:spcPts val="0"/>
               </a:spcAft>
-              <a:buClr>
-                <a:srgbClr val="000000"/>
-              </a:buClr>
               <a:buSzPts val="1500"/>
-              <a:buFont typeface="Arial"/>
               <a:buChar char="●"/>
             </a:pPr>
             <a:r>
-              <a:rPr b="1" lang="en-GB" sz="1500">
-                <a:solidFill>
-                  <a:srgbClr val="000000"/>
-                </a:solidFill>
-                <a:latin typeface="Arial"/>
-                <a:ea typeface="Arial"/>
-                <a:cs typeface="Arial"/>
-                <a:sym typeface="Arial"/>
-              </a:rPr>
-              <a:t>Demo</a:t>
+              <a:rPr b="1" lang="en-GB" sz="1500"/>
+              <a:t>HTML/CSS</a:t>
             </a:r>
-            <a:endParaRPr b="1" sz="1500">
-              <a:solidFill>
-                <a:srgbClr val="000000"/>
-              </a:solidFill>
-              <a:latin typeface="Arial"/>
-              <a:ea typeface="Arial"/>
-              <a:cs typeface="Arial"/>
-              <a:sym typeface="Arial"/>
-            </a:endParaRPr>
+            <a:endParaRPr b="1" sz="1500"/>
           </a:p>
           <a:p>
             <a:pPr indent="-323850" lvl="0" marL="457200" rtl="0" algn="l">
@@ -9747,34 +10670,14 @@
               <a:spcAft>
                 <a:spcPts val="0"/>
               </a:spcAft>
-              <a:buClr>
-                <a:srgbClr val="000000"/>
-              </a:buClr>
               <a:buSzPts val="1500"/>
-              <a:buFont typeface="Arial"/>
               <a:buChar char="●"/>
             </a:pPr>
             <a:r>
-              <a:rPr b="1" lang="en-GB" sz="1500">
-                <a:solidFill>
-                  <a:srgbClr val="000000"/>
-                </a:solidFill>
-                <a:latin typeface="Arial"/>
-                <a:ea typeface="Arial"/>
-                <a:cs typeface="Arial"/>
-                <a:sym typeface="Arial"/>
-              </a:rPr>
-              <a:t>Review - areas to improve </a:t>
+              <a:rPr b="1" lang="en-GB" sz="1500"/>
+              <a:t>Selenium</a:t>
             </a:r>
-            <a:endParaRPr b="1" sz="1500">
-              <a:solidFill>
-                <a:srgbClr val="000000"/>
-              </a:solidFill>
-              <a:latin typeface="Arial"/>
-              <a:ea typeface="Arial"/>
-              <a:cs typeface="Arial"/>
-              <a:sym typeface="Arial"/>
-            </a:endParaRPr>
+            <a:endParaRPr b="1" sz="1500"/>
           </a:p>
           <a:p>
             <a:pPr indent="-323850" lvl="0" marL="457200" rtl="0" algn="l">
@@ -9784,34 +10687,63 @@
               <a:spcAft>
                 <a:spcPts val="0"/>
               </a:spcAft>
-              <a:buClr>
-                <a:srgbClr val="000000"/>
-              </a:buClr>
               <a:buSzPts val="1500"/>
-              <a:buFont typeface="Arial"/>
               <a:buChar char="●"/>
             </a:pPr>
             <a:r>
-              <a:rPr b="1" lang="en-GB" sz="1500">
-                <a:solidFill>
-                  <a:srgbClr val="000000"/>
-                </a:solidFill>
-                <a:latin typeface="Arial"/>
-                <a:ea typeface="Arial"/>
-                <a:cs typeface="Arial"/>
-                <a:sym typeface="Arial"/>
-              </a:rPr>
-              <a:t>Questions </a:t>
+              <a:rPr b="1" lang="en-GB" sz="1500"/>
+              <a:t>IntelliJ</a:t>
             </a:r>
-            <a:endParaRPr b="1" sz="1500">
-              <a:solidFill>
-                <a:srgbClr val="000000"/>
-              </a:solidFill>
-              <a:latin typeface="Arial"/>
-              <a:ea typeface="Arial"/>
-              <a:cs typeface="Arial"/>
-              <a:sym typeface="Arial"/>
-            </a:endParaRPr>
+            <a:endParaRPr b="1" sz="1500"/>
+          </a:p>
+          <a:p>
+            <a:pPr indent="-323850" lvl="0" marL="457200" rtl="0" algn="l">
+              <a:spcBef>
+                <a:spcPts val="0"/>
+              </a:spcBef>
+              <a:spcAft>
+                <a:spcPts val="0"/>
+              </a:spcAft>
+              <a:buSzPts val="1500"/>
+              <a:buChar char="●"/>
+            </a:pPr>
+            <a:r>
+              <a:rPr b="1" lang="en-GB" sz="1500"/>
+              <a:t>Visual Studio Code</a:t>
+            </a:r>
+            <a:endParaRPr b="1" sz="1500"/>
+          </a:p>
+          <a:p>
+            <a:pPr indent="-323850" lvl="0" marL="457200" rtl="0" algn="l">
+              <a:spcBef>
+                <a:spcPts val="0"/>
+              </a:spcBef>
+              <a:spcAft>
+                <a:spcPts val="0"/>
+              </a:spcAft>
+              <a:buSzPts val="1500"/>
+              <a:buChar char="●"/>
+            </a:pPr>
+            <a:r>
+              <a:rPr b="1" lang="en-GB" sz="1500"/>
+              <a:t>Postman</a:t>
+            </a:r>
+            <a:endParaRPr b="1" sz="1500"/>
+          </a:p>
+          <a:p>
+            <a:pPr indent="0" lvl="0" marL="457200" rtl="0" algn="l">
+              <a:spcBef>
+                <a:spcPts val="0"/>
+              </a:spcBef>
+              <a:spcAft>
+                <a:spcPts val="0"/>
+              </a:spcAft>
+              <a:buNone/>
+            </a:pPr>
+            <a:r>
+              <a:t/>
+            </a:r>
+            <a:endParaRPr/>
           </a:p>
         </p:txBody>
       </p:sp>
@@ -9874,7 +10806,7 @@
             </a:pPr>
             <a:r>
               <a:rPr lang="en-GB"/>
-              <a:t>New skills learned</a:t>
+              <a:t>Intro</a:t>
             </a:r>
             <a:endParaRPr/>
           </a:p>
@@ -9884,20 +10816,18 @@
         <p:nvSpPr>
           <p:cNvPr id="99" name="Google Shape;99;p15"/>
           <p:cNvSpPr txBox="1"/>
-          <p:nvPr/>
+          <p:nvPr>
+            <p:ph idx="1" type="body"/>
+          </p:nvPr>
         </p:nvSpPr>
         <p:spPr>
           <a:xfrm>
-            <a:off x="777750" y="1470575"/>
-            <a:ext cx="6826500" cy="2725800"/>
+            <a:off x="729450" y="1494300"/>
+            <a:ext cx="7688700" cy="2845800"/>
           </a:xfrm>
           <a:prstGeom prst="rect">
             <a:avLst/>
           </a:prstGeom>
-          <a:noFill/>
-          <a:ln>
-            <a:noFill/>
-          </a:ln>
         </p:spPr>
         <p:txBody>
           <a:bodyPr anchorCtr="0" anchor="t" bIns="91425" lIns="91425" spcFirstLastPara="1" rIns="91425" wrap="square" tIns="91425">
@@ -9912,14 +10842,34 @@
               <a:spcAft>
                 <a:spcPts val="0"/>
               </a:spcAft>
+              <a:buClr>
+                <a:srgbClr val="000000"/>
+              </a:buClr>
               <a:buSzPts val="1500"/>
+              <a:buFont typeface="Arial"/>
               <a:buChar char="●"/>
             </a:pPr>
             <a:r>
-              <a:rPr b="1" lang="en-GB" sz="1500"/>
-              <a:t>Spring Boot</a:t>
+              <a:rPr b="1" lang="en-GB" sz="1500">
+                <a:solidFill>
+                  <a:srgbClr val="000000"/>
+                </a:solidFill>
+                <a:latin typeface="Arial"/>
+                <a:ea typeface="Arial"/>
+                <a:cs typeface="Arial"/>
+                <a:sym typeface="Arial"/>
+              </a:rPr>
+              <a:t>The concept of the app</a:t>
             </a:r>
-            <a:endParaRPr b="1" sz="1500"/>
+            <a:endParaRPr b="1" sz="1500">
+              <a:solidFill>
+                <a:srgbClr val="000000"/>
+              </a:solidFill>
+              <a:latin typeface="Arial"/>
+              <a:ea typeface="Arial"/>
+              <a:cs typeface="Arial"/>
+              <a:sym typeface="Arial"/>
+            </a:endParaRPr>
           </a:p>
           <a:p>
             <a:pPr indent="-323850" lvl="0" marL="457200" rtl="0" algn="l">
@@ -9929,14 +10879,34 @@
               <a:spcAft>
                 <a:spcPts val="0"/>
               </a:spcAft>
+              <a:buClr>
+                <a:srgbClr val="000000"/>
+              </a:buClr>
               <a:buSzPts val="1500"/>
+              <a:buFont typeface="Arial"/>
               <a:buChar char="●"/>
             </a:pPr>
             <a:r>
-              <a:rPr b="1" lang="en-GB" sz="1500"/>
-              <a:t>JavaScript</a:t>
+              <a:rPr b="1" lang="en-GB" sz="1500">
+                <a:solidFill>
+                  <a:srgbClr val="000000"/>
+                </a:solidFill>
+                <a:latin typeface="Arial"/>
+                <a:ea typeface="Arial"/>
+                <a:cs typeface="Arial"/>
+                <a:sym typeface="Arial"/>
+              </a:rPr>
+              <a:t>Methodology/Workflow</a:t>
             </a:r>
-            <a:endParaRPr b="1" sz="1500"/>
+            <a:endParaRPr b="1" sz="1500">
+              <a:solidFill>
+                <a:srgbClr val="000000"/>
+              </a:solidFill>
+              <a:latin typeface="Arial"/>
+              <a:ea typeface="Arial"/>
+              <a:cs typeface="Arial"/>
+              <a:sym typeface="Arial"/>
+            </a:endParaRPr>
           </a:p>
           <a:p>
             <a:pPr indent="-323850" lvl="0" marL="457200" rtl="0" algn="l">
@@ -9946,14 +10916,34 @@
               <a:spcAft>
                 <a:spcPts val="0"/>
               </a:spcAft>
+              <a:buClr>
+                <a:srgbClr val="000000"/>
+              </a:buClr>
               <a:buSzPts val="1500"/>
+              <a:buFont typeface="Arial"/>
               <a:buChar char="●"/>
             </a:pPr>
             <a:r>
-              <a:rPr b="1" lang="en-GB" sz="1500"/>
-              <a:t>HTML/CSS</a:t>
+              <a:rPr b="1" lang="en-GB" sz="1500">
+                <a:solidFill>
+                  <a:srgbClr val="000000"/>
+                </a:solidFill>
+                <a:latin typeface="Arial"/>
+                <a:ea typeface="Arial"/>
+                <a:cs typeface="Arial"/>
+                <a:sym typeface="Arial"/>
+              </a:rPr>
+              <a:t>CI Pipeline</a:t>
             </a:r>
-            <a:endParaRPr b="1" sz="1500"/>
+            <a:endParaRPr b="1" sz="1500">
+              <a:solidFill>
+                <a:srgbClr val="000000"/>
+              </a:solidFill>
+              <a:latin typeface="Arial"/>
+              <a:ea typeface="Arial"/>
+              <a:cs typeface="Arial"/>
+              <a:sym typeface="Arial"/>
+            </a:endParaRPr>
           </a:p>
           <a:p>
             <a:pPr indent="-323850" lvl="0" marL="457200" rtl="0" algn="l">
@@ -9963,14 +10953,34 @@
               <a:spcAft>
                 <a:spcPts val="0"/>
               </a:spcAft>
+              <a:buClr>
+                <a:srgbClr val="000000"/>
+              </a:buClr>
               <a:buSzPts val="1500"/>
+              <a:buFont typeface="Arial"/>
               <a:buChar char="●"/>
             </a:pPr>
             <a:r>
-              <a:rPr b="1" lang="en-GB" sz="1500"/>
-              <a:t>Selenium</a:t>
+              <a:rPr b="1" lang="en-GB" sz="1500">
+                <a:solidFill>
+                  <a:srgbClr val="000000"/>
+                </a:solidFill>
+                <a:latin typeface="Arial"/>
+                <a:ea typeface="Arial"/>
+                <a:cs typeface="Arial"/>
+                <a:sym typeface="Arial"/>
+              </a:rPr>
+              <a:t>Demo</a:t>
             </a:r>
-            <a:endParaRPr b="1" sz="1500"/>
+            <a:endParaRPr b="1" sz="1500">
+              <a:solidFill>
+                <a:srgbClr val="000000"/>
+              </a:solidFill>
+              <a:latin typeface="Arial"/>
+              <a:ea typeface="Arial"/>
+              <a:cs typeface="Arial"/>
+              <a:sym typeface="Arial"/>
+            </a:endParaRPr>
           </a:p>
           <a:p>
             <a:pPr indent="-323850" lvl="0" marL="457200" rtl="0" algn="l">
@@ -9980,14 +10990,34 @@
               <a:spcAft>
                 <a:spcPts val="0"/>
               </a:spcAft>
+              <a:buClr>
+                <a:srgbClr val="000000"/>
+              </a:buClr>
               <a:buSzPts val="1500"/>
+              <a:buFont typeface="Arial"/>
               <a:buChar char="●"/>
             </a:pPr>
             <a:r>
-              <a:rPr b="1" lang="en-GB" sz="1500"/>
-              <a:t>IntelliJ</a:t>
+              <a:rPr b="1" lang="en-GB" sz="1500">
+                <a:solidFill>
+                  <a:srgbClr val="000000"/>
+                </a:solidFill>
+                <a:latin typeface="Arial"/>
+                <a:ea typeface="Arial"/>
+                <a:cs typeface="Arial"/>
+                <a:sym typeface="Arial"/>
+              </a:rPr>
+              <a:t>Review - areas to improve </a:t>
             </a:r>
-            <a:endParaRPr b="1" sz="1500"/>
+            <a:endParaRPr b="1" sz="1500">
+              <a:solidFill>
+                <a:srgbClr val="000000"/>
+              </a:solidFill>
+              <a:latin typeface="Arial"/>
+              <a:ea typeface="Arial"/>
+              <a:cs typeface="Arial"/>
+              <a:sym typeface="Arial"/>
+            </a:endParaRPr>
           </a:p>
           <a:p>
             <a:pPr indent="-323850" lvl="0" marL="457200" rtl="0" algn="l">
@@ -9997,46 +11027,34 @@
               <a:spcAft>
                 <a:spcPts val="0"/>
               </a:spcAft>
+              <a:buClr>
+                <a:srgbClr val="000000"/>
+              </a:buClr>
               <a:buSzPts val="1500"/>
+              <a:buFont typeface="Arial"/>
               <a:buChar char="●"/>
             </a:pPr>
             <a:r>
-              <a:rPr b="1" lang="en-GB" sz="1500"/>
-              <a:t>Visual Studio Code</a:t>
+              <a:rPr b="1" lang="en-GB" sz="1500">
+                <a:solidFill>
+                  <a:srgbClr val="000000"/>
+                </a:solidFill>
+                <a:latin typeface="Arial"/>
+                <a:ea typeface="Arial"/>
+                <a:cs typeface="Arial"/>
+                <a:sym typeface="Arial"/>
+              </a:rPr>
+              <a:t>Questions </a:t>
             </a:r>
-            <a:endParaRPr b="1" sz="1500"/>
-          </a:p>
-          <a:p>
-            <a:pPr indent="-323850" lvl="0" marL="457200" rtl="0" algn="l">
-              <a:spcBef>
-                <a:spcPts val="0"/>
-              </a:spcBef>
-              <a:spcAft>
-                <a:spcPts val="0"/>
-              </a:spcAft>
-              <a:buSzPts val="1500"/>
-              <a:buChar char="●"/>
-            </a:pPr>
-            <a:r>
-              <a:rPr b="1" lang="en-GB" sz="1500"/>
-              <a:t>Postman</a:t>
-            </a:r>
-            <a:endParaRPr b="1" sz="1500"/>
-          </a:p>
-          <a:p>
-            <a:pPr indent="0" lvl="0" marL="457200" rtl="0" algn="l">
-              <a:spcBef>
-                <a:spcPts val="0"/>
-              </a:spcBef>
-              <a:spcAft>
-                <a:spcPts val="0"/>
-              </a:spcAft>
-              <a:buNone/>
-            </a:pPr>
-            <a:r>
-              <a:t/>
-            </a:r>
-            <a:endParaRPr/>
+            <a:endParaRPr b="1" sz="1500">
+              <a:solidFill>
+                <a:srgbClr val="000000"/>
+              </a:solidFill>
+              <a:latin typeface="Arial"/>
+              <a:ea typeface="Arial"/>
+              <a:cs typeface="Arial"/>
+              <a:sym typeface="Arial"/>
+            </a:endParaRPr>
           </a:p>
         </p:txBody>
       </p:sp>
@@ -10075,8 +11093,8 @@
         </p:nvSpPr>
         <p:spPr>
           <a:xfrm>
-            <a:off x="4055225" y="0"/>
-            <a:ext cx="862200" cy="535200"/>
+            <a:off x="729450" y="-52950"/>
+            <a:ext cx="7688700" cy="535200"/>
           </a:xfrm>
           <a:prstGeom prst="rect">
             <a:avLst/>
@@ -10088,7 +11106,7 @@
           </a:bodyPr>
           <a:lstStyle/>
           <a:p>
-            <a:pPr indent="0" lvl="0" marL="0" rtl="0" algn="l">
+            <a:pPr indent="0" lvl="0" marL="0" rtl="0" algn="ctr">
               <a:spcBef>
                 <a:spcPts val="0"/>
               </a:spcBef>
@@ -10099,40 +11117,226 @@
             </a:pPr>
             <a:r>
               <a:rPr lang="en-GB"/>
-              <a:t>ERD</a:t>
+              <a:t>Article Sharing Web-App For Roman Emperors</a:t>
             </a:r>
             <a:endParaRPr/>
           </a:p>
         </p:txBody>
       </p:sp>
-      <p:pic>
-        <p:nvPicPr>
+      <p:sp>
+        <p:nvSpPr>
           <p:cNvPr id="105" name="Google Shape;105;p16"/>
-          <p:cNvPicPr preferRelativeResize="0"/>
-          <p:nvPr/>
-        </p:nvPicPr>
-        <p:blipFill>
-          <a:blip r:embed="rId3">
-            <a:alphaModFix/>
-          </a:blip>
-          <a:stretch>
-            <a:fillRect/>
-          </a:stretch>
-        </p:blipFill>
+          <p:cNvSpPr txBox="1"/>
+          <p:nvPr>
+            <p:ph idx="1" type="body"/>
+          </p:nvPr>
+        </p:nvSpPr>
         <p:spPr>
           <a:xfrm>
-            <a:off x="782625" y="483350"/>
-            <a:ext cx="7608599" cy="4660150"/>
+            <a:off x="1262850" y="1774075"/>
+            <a:ext cx="7688700" cy="2261100"/>
           </a:xfrm>
           <a:prstGeom prst="rect">
             <a:avLst/>
           </a:prstGeom>
-          <a:noFill/>
-          <a:ln>
-            <a:noFill/>
-          </a:ln>
         </p:spPr>
-      </p:pic>
+        <p:txBody>
+          <a:bodyPr anchorCtr="0" anchor="t" bIns="91425" lIns="91425" spcFirstLastPara="1" rIns="91425" wrap="square" tIns="91425">
+            <a:noAutofit/>
+          </a:bodyPr>
+          <a:lstStyle/>
+          <a:p>
+            <a:pPr indent="-323850" lvl="0" marL="457200" rtl="0" algn="l">
+              <a:spcBef>
+                <a:spcPts val="0"/>
+              </a:spcBef>
+              <a:spcAft>
+                <a:spcPts val="0"/>
+              </a:spcAft>
+              <a:buClr>
+                <a:srgbClr val="000000"/>
+              </a:buClr>
+              <a:buSzPts val="1500"/>
+              <a:buFont typeface="Arial"/>
+              <a:buChar char="●"/>
+            </a:pPr>
+            <a:r>
+              <a:rPr b="1" lang="en-GB" sz="1500">
+                <a:solidFill>
+                  <a:srgbClr val="000000"/>
+                </a:solidFill>
+                <a:latin typeface="Arial"/>
+                <a:ea typeface="Arial"/>
+                <a:cs typeface="Arial"/>
+                <a:sym typeface="Arial"/>
+              </a:rPr>
+              <a:t>Studied Ancient History at uni</a:t>
+            </a:r>
+            <a:endParaRPr b="1" sz="1500">
+              <a:solidFill>
+                <a:srgbClr val="000000"/>
+              </a:solidFill>
+              <a:latin typeface="Arial"/>
+              <a:ea typeface="Arial"/>
+              <a:cs typeface="Arial"/>
+              <a:sym typeface="Arial"/>
+            </a:endParaRPr>
+          </a:p>
+          <a:p>
+            <a:pPr indent="-323850" lvl="0" marL="457200" rtl="0" algn="l">
+              <a:spcBef>
+                <a:spcPts val="0"/>
+              </a:spcBef>
+              <a:spcAft>
+                <a:spcPts val="0"/>
+              </a:spcAft>
+              <a:buClr>
+                <a:srgbClr val="000000"/>
+              </a:buClr>
+              <a:buSzPts val="1500"/>
+              <a:buFont typeface="Arial"/>
+              <a:buChar char="●"/>
+            </a:pPr>
+            <a:r>
+              <a:rPr b="1" lang="en-GB" sz="1500">
+                <a:solidFill>
+                  <a:srgbClr val="000000"/>
+                </a:solidFill>
+                <a:latin typeface="Arial"/>
+                <a:ea typeface="Arial"/>
+                <a:cs typeface="Arial"/>
+                <a:sym typeface="Arial"/>
+              </a:rPr>
+              <a:t>Users can share articles by historians about Roman </a:t>
+            </a:r>
+            <a:r>
+              <a:rPr b="1" lang="en-GB" sz="1500">
+                <a:solidFill>
+                  <a:srgbClr val="000000"/>
+                </a:solidFill>
+                <a:latin typeface="Arial"/>
+                <a:ea typeface="Arial"/>
+                <a:cs typeface="Arial"/>
+                <a:sym typeface="Arial"/>
+              </a:rPr>
+              <a:t>emperors</a:t>
+            </a:r>
+            <a:r>
+              <a:rPr b="1" lang="en-GB" sz="1500">
+                <a:solidFill>
+                  <a:srgbClr val="000000"/>
+                </a:solidFill>
+                <a:latin typeface="Arial"/>
+                <a:ea typeface="Arial"/>
+                <a:cs typeface="Arial"/>
+                <a:sym typeface="Arial"/>
+              </a:rPr>
+              <a:t> </a:t>
+            </a:r>
+            <a:endParaRPr b="1" sz="1500">
+              <a:solidFill>
+                <a:srgbClr val="000000"/>
+              </a:solidFill>
+              <a:latin typeface="Arial"/>
+              <a:ea typeface="Arial"/>
+              <a:cs typeface="Arial"/>
+              <a:sym typeface="Arial"/>
+            </a:endParaRPr>
+          </a:p>
+          <a:p>
+            <a:pPr indent="-323850" lvl="0" marL="457200" rtl="0" algn="l">
+              <a:spcBef>
+                <a:spcPts val="0"/>
+              </a:spcBef>
+              <a:spcAft>
+                <a:spcPts val="0"/>
+              </a:spcAft>
+              <a:buClr>
+                <a:srgbClr val="000000"/>
+              </a:buClr>
+              <a:buSzPts val="1500"/>
+              <a:buFont typeface="Arial"/>
+              <a:buChar char="●"/>
+            </a:pPr>
+            <a:r>
+              <a:rPr b="1" lang="en-GB" sz="1500">
+                <a:solidFill>
+                  <a:srgbClr val="000000"/>
+                </a:solidFill>
+                <a:latin typeface="Arial"/>
+                <a:ea typeface="Arial"/>
+                <a:cs typeface="Arial"/>
+                <a:sym typeface="Arial"/>
+              </a:rPr>
+              <a:t>Could not find any websites dedicated specifically to this </a:t>
+            </a:r>
+            <a:endParaRPr b="1" sz="1500">
+              <a:solidFill>
+                <a:srgbClr val="000000"/>
+              </a:solidFill>
+              <a:latin typeface="Arial"/>
+              <a:ea typeface="Arial"/>
+              <a:cs typeface="Arial"/>
+              <a:sym typeface="Arial"/>
+            </a:endParaRPr>
+          </a:p>
+          <a:p>
+            <a:pPr indent="-323850" lvl="0" marL="457200" rtl="0" algn="l">
+              <a:spcBef>
+                <a:spcPts val="0"/>
+              </a:spcBef>
+              <a:spcAft>
+                <a:spcPts val="0"/>
+              </a:spcAft>
+              <a:buClr>
+                <a:srgbClr val="000000"/>
+              </a:buClr>
+              <a:buSzPts val="1500"/>
+              <a:buChar char="●"/>
+            </a:pPr>
+            <a:r>
+              <a:rPr b="1" lang="en-GB" sz="1500">
+                <a:solidFill>
+                  <a:srgbClr val="000000"/>
+                </a:solidFill>
+                <a:latin typeface="Arial"/>
+                <a:ea typeface="Arial"/>
+                <a:cs typeface="Arial"/>
+                <a:sym typeface="Arial"/>
+              </a:rPr>
+              <a:t>Useful for the casual historian or history students</a:t>
+            </a:r>
+            <a:r>
+              <a:rPr b="1" lang="en-GB" sz="1500">
+                <a:solidFill>
+                  <a:srgbClr val="000000"/>
+                </a:solidFill>
+              </a:rPr>
+              <a:t> </a:t>
+            </a:r>
+            <a:endParaRPr b="1" sz="1500">
+              <a:solidFill>
+                <a:srgbClr val="000000"/>
+              </a:solidFill>
+            </a:endParaRPr>
+          </a:p>
+          <a:p>
+            <a:pPr indent="0" lvl="0" marL="457200" rtl="0" algn="l">
+              <a:spcBef>
+                <a:spcPts val="1600"/>
+              </a:spcBef>
+              <a:spcAft>
+                <a:spcPts val="1600"/>
+              </a:spcAft>
+              <a:buNone/>
+            </a:pPr>
+            <a:r>
+              <a:t/>
+            </a:r>
+            <a:endParaRPr/>
+          </a:p>
+        </p:txBody>
+      </p:sp>
     </p:spTree>
   </p:cSld>
   <p:clrMapOvr>
@@ -10168,8 +11372,8 @@
         </p:nvSpPr>
         <p:spPr>
           <a:xfrm>
-            <a:off x="3015450" y="-52950"/>
-            <a:ext cx="2992200" cy="535200"/>
+            <a:off x="4055225" y="0"/>
+            <a:ext cx="862200" cy="535200"/>
           </a:xfrm>
           <a:prstGeom prst="rect">
             <a:avLst/>
@@ -10192,7 +11396,7 @@
             </a:pPr>
             <a:r>
               <a:rPr lang="en-GB"/>
-              <a:t>Risk Assessment </a:t>
+              <a:t>ERD</a:t>
             </a:r>
             <a:endParaRPr/>
           </a:p>
@@ -10214,8 +11418,8 @@
         </p:blipFill>
         <p:spPr>
           <a:xfrm>
-            <a:off x="1752650" y="1363950"/>
-            <a:ext cx="5347274" cy="2978800"/>
+            <a:off x="782625" y="483350"/>
+            <a:ext cx="7608599" cy="4660150"/>
           </a:xfrm>
           <a:prstGeom prst="rect">
             <a:avLst/>
@@ -10251,9 +11455,49 @@
           <a:chExt cx="0" cy="0"/>
         </a:xfrm>
       </p:grpSpPr>
+      <p:sp>
+        <p:nvSpPr>
+          <p:cNvPr id="116" name="Google Shape;116;p18"/>
+          <p:cNvSpPr txBox="1"/>
+          <p:nvPr>
+            <p:ph type="title"/>
+          </p:nvPr>
+        </p:nvSpPr>
+        <p:spPr>
+          <a:xfrm>
+            <a:off x="3015450" y="-52950"/>
+            <a:ext cx="2992200" cy="535200"/>
+          </a:xfrm>
+          <a:prstGeom prst="rect">
+            <a:avLst/>
+          </a:prstGeom>
+        </p:spPr>
+        <p:txBody>
+          <a:bodyPr anchorCtr="0" anchor="t" bIns="91425" lIns="91425" spcFirstLastPara="1" rIns="91425" wrap="square" tIns="91425">
+            <a:noAutofit/>
+          </a:bodyPr>
+          <a:lstStyle/>
+          <a:p>
+            <a:pPr indent="0" lvl="0" marL="0" rtl="0" algn="l">
+              <a:spcBef>
+                <a:spcPts val="0"/>
+              </a:spcBef>
+              <a:spcAft>
+                <a:spcPts val="0"/>
+              </a:spcAft>
+              <a:buNone/>
+            </a:pPr>
+            <a:r>
+              <a:rPr lang="en-GB"/>
+              <a:t>Risk Assessment </a:t>
+            </a:r>
+            <a:endParaRPr/>
+          </a:p>
+        </p:txBody>
+      </p:sp>
       <p:pic>
         <p:nvPicPr>
-          <p:cNvPr id="116" name="Google Shape;116;p18"/>
+          <p:cNvPr id="117" name="Google Shape;117;p18"/>
           <p:cNvPicPr preferRelativeResize="0"/>
           <p:nvPr/>
         </p:nvPicPr>
@@ -10267,8 +11511,8 @@
         </p:blipFill>
         <p:spPr>
           <a:xfrm>
-            <a:off x="839800" y="547925"/>
-            <a:ext cx="7705625" cy="4586900"/>
+            <a:off x="1752650" y="1363950"/>
+            <a:ext cx="5347274" cy="2978800"/>
           </a:xfrm>
           <a:prstGeom prst="rect">
             <a:avLst/>
@@ -10292,7 +11536,7 @@
   <p:cSld>
     <p:spTree>
       <p:nvGrpSpPr>
-        <p:cNvPr id="120" name="Shape 120"/>
+        <p:cNvPr id="121" name="Shape 121"/>
         <p:cNvGrpSpPr/>
         <p:nvPr/>
       </p:nvGrpSpPr>
@@ -10306,7 +11550,7 @@
       </p:grpSpPr>
       <p:pic>
         <p:nvPicPr>
-          <p:cNvPr id="121" name="Google Shape;121;p19"/>
+          <p:cNvPr id="122" name="Google Shape;122;p19"/>
           <p:cNvPicPr preferRelativeResize="0"/>
           <p:nvPr/>
         </p:nvPicPr>
@@ -10320,8 +11564,8 @@
         </p:blipFill>
         <p:spPr>
           <a:xfrm>
-            <a:off x="609600" y="161925"/>
-            <a:ext cx="7924800" cy="4819650"/>
+            <a:off x="763600" y="547925"/>
+            <a:ext cx="7705625" cy="4586900"/>
           </a:xfrm>
           <a:prstGeom prst="rect">
             <a:avLst/>
@@ -10345,7 +11589,7 @@
   <p:cSld>
     <p:spTree>
       <p:nvGrpSpPr>
-        <p:cNvPr id="125" name="Shape 125"/>
+        <p:cNvPr id="126" name="Shape 126"/>
         <p:cNvGrpSpPr/>
         <p:nvPr/>
       </p:nvGrpSpPr>
@@ -10357,88 +11601,9 @@
           <a:chExt cx="0" cy="0"/>
         </a:xfrm>
       </p:grpSpPr>
-      <p:sp>
-        <p:nvSpPr>
-          <p:cNvPr id="126" name="Google Shape;126;p20"/>
-          <p:cNvSpPr txBox="1"/>
-          <p:nvPr>
-            <p:ph type="title"/>
-          </p:nvPr>
-        </p:nvSpPr>
-        <p:spPr>
-          <a:xfrm>
-            <a:off x="729450" y="-52950"/>
-            <a:ext cx="7688700" cy="535200"/>
-          </a:xfrm>
-          <a:prstGeom prst="rect">
-            <a:avLst/>
-          </a:prstGeom>
-        </p:spPr>
-        <p:txBody>
-          <a:bodyPr anchorCtr="0" anchor="t" bIns="91425" lIns="91425" spcFirstLastPara="1" rIns="91425" wrap="square" tIns="91425">
-            <a:noAutofit/>
-          </a:bodyPr>
-          <a:lstStyle/>
-          <a:p>
-            <a:pPr indent="0" lvl="0" marL="0" rtl="0" algn="ctr">
-              <a:spcBef>
-                <a:spcPts val="0"/>
-              </a:spcBef>
-              <a:spcAft>
-                <a:spcPts val="0"/>
-              </a:spcAft>
-              <a:buNone/>
-            </a:pPr>
-            <a:r>
-              <a:rPr lang="en-GB"/>
-              <a:t>Kanban Board</a:t>
-            </a:r>
-            <a:endParaRPr/>
-          </a:p>
-        </p:txBody>
-      </p:sp>
-      <p:sp>
-        <p:nvSpPr>
-          <p:cNvPr id="127" name="Google Shape;127;p20"/>
-          <p:cNvSpPr txBox="1"/>
-          <p:nvPr>
-            <p:ph idx="1" type="body"/>
-          </p:nvPr>
-        </p:nvSpPr>
-        <p:spPr>
-          <a:xfrm>
-            <a:off x="729450" y="2078875"/>
-            <a:ext cx="7688700" cy="2261100"/>
-          </a:xfrm>
-          <a:prstGeom prst="rect">
-            <a:avLst/>
-          </a:prstGeom>
-        </p:spPr>
-        <p:txBody>
-          <a:bodyPr anchorCtr="0" anchor="t" bIns="91425" lIns="91425" spcFirstLastPara="1" rIns="91425" wrap="square" tIns="91425">
-            <a:noAutofit/>
-          </a:bodyPr>
-          <a:lstStyle/>
-          <a:p>
-            <a:pPr indent="0" lvl="0" marL="0" rtl="0" algn="l">
-              <a:spcBef>
-                <a:spcPts val="0"/>
-              </a:spcBef>
-              <a:spcAft>
-                <a:spcPts val="1600"/>
-              </a:spcAft>
-              <a:buNone/>
-            </a:pPr>
-            <a:r>
-              <a:t/>
-            </a:r>
-            <a:endParaRPr/>
-          </a:p>
-        </p:txBody>
-      </p:sp>
       <p:pic>
         <p:nvPicPr>
-          <p:cNvPr id="128" name="Google Shape;128;p20"/>
+          <p:cNvPr id="127" name="Google Shape;127;p20"/>
           <p:cNvPicPr preferRelativeResize="0"/>
           <p:nvPr/>
         </p:nvPicPr>
@@ -10452,8 +11617,8 @@
         </p:blipFill>
         <p:spPr>
           <a:xfrm>
-            <a:off x="0" y="543902"/>
-            <a:ext cx="9144001" cy="4055697"/>
+            <a:off x="838200" y="515725"/>
+            <a:ext cx="7468350" cy="4542050"/>
           </a:xfrm>
           <a:prstGeom prst="rect">
             <a:avLst/>
@@ -10477,7 +11642,7 @@
   <p:cSld>
     <p:spTree>
       <p:nvGrpSpPr>
-        <p:cNvPr id="132" name="Shape 132"/>
+        <p:cNvPr id="131" name="Shape 131"/>
         <p:cNvGrpSpPr/>
         <p:nvPr/>
       </p:nvGrpSpPr>
@@ -10489,9 +11654,88 @@
           <a:chExt cx="0" cy="0"/>
         </a:xfrm>
       </p:grpSpPr>
+      <p:sp>
+        <p:nvSpPr>
+          <p:cNvPr id="132" name="Google Shape;132;p21"/>
+          <p:cNvSpPr txBox="1"/>
+          <p:nvPr>
+            <p:ph type="title"/>
+          </p:nvPr>
+        </p:nvSpPr>
+        <p:spPr>
+          <a:xfrm>
+            <a:off x="729450" y="-52950"/>
+            <a:ext cx="7688700" cy="535200"/>
+          </a:xfrm>
+          <a:prstGeom prst="rect">
+            <a:avLst/>
+          </a:prstGeom>
+        </p:spPr>
+        <p:txBody>
+          <a:bodyPr anchorCtr="0" anchor="t" bIns="91425" lIns="91425" spcFirstLastPara="1" rIns="91425" wrap="square" tIns="91425">
+            <a:noAutofit/>
+          </a:bodyPr>
+          <a:lstStyle/>
+          <a:p>
+            <a:pPr indent="0" lvl="0" marL="0" rtl="0" algn="ctr">
+              <a:spcBef>
+                <a:spcPts val="0"/>
+              </a:spcBef>
+              <a:spcAft>
+                <a:spcPts val="0"/>
+              </a:spcAft>
+              <a:buNone/>
+            </a:pPr>
+            <a:r>
+              <a:rPr lang="en-GB"/>
+              <a:t>Kanban Board</a:t>
+            </a:r>
+            <a:endParaRPr/>
+          </a:p>
+        </p:txBody>
+      </p:sp>
+      <p:sp>
+        <p:nvSpPr>
+          <p:cNvPr id="133" name="Google Shape;133;p21"/>
+          <p:cNvSpPr txBox="1"/>
+          <p:nvPr>
+            <p:ph idx="1" type="body"/>
+          </p:nvPr>
+        </p:nvSpPr>
+        <p:spPr>
+          <a:xfrm>
+            <a:off x="729450" y="2078875"/>
+            <a:ext cx="7688700" cy="2261100"/>
+          </a:xfrm>
+          <a:prstGeom prst="rect">
+            <a:avLst/>
+          </a:prstGeom>
+        </p:spPr>
+        <p:txBody>
+          <a:bodyPr anchorCtr="0" anchor="t" bIns="91425" lIns="91425" spcFirstLastPara="1" rIns="91425" wrap="square" tIns="91425">
+            <a:noAutofit/>
+          </a:bodyPr>
+          <a:lstStyle/>
+          <a:p>
+            <a:pPr indent="0" lvl="0" marL="0" rtl="0" algn="l">
+              <a:spcBef>
+                <a:spcPts val="0"/>
+              </a:spcBef>
+              <a:spcAft>
+                <a:spcPts val="1600"/>
+              </a:spcAft>
+              <a:buNone/>
+            </a:pPr>
+            <a:r>
+              <a:t/>
+            </a:r>
+            <a:endParaRPr/>
+          </a:p>
+        </p:txBody>
+      </p:sp>
       <p:pic>
         <p:nvPicPr>
-          <p:cNvPr id="133" name="Google Shape;133;p21"/>
+          <p:cNvPr id="134" name="Google Shape;134;p21"/>
           <p:cNvPicPr preferRelativeResize="0"/>
           <p:nvPr/>
         </p:nvPicPr>
@@ -10505,8 +11749,8 @@
         </p:blipFill>
         <p:spPr>
           <a:xfrm>
-            <a:off x="833375" y="0"/>
-            <a:ext cx="6534908" cy="5143500"/>
+            <a:off x="0" y="543902"/>
+            <a:ext cx="9144001" cy="4055697"/>
           </a:xfrm>
           <a:prstGeom prst="rect">
             <a:avLst/>
